--- a/drawing.pptx
+++ b/drawing.pptx
@@ -2,20 +2,21 @@
 <file path=ppt/presentation.xml><?xml version="1.0" encoding="utf-8"?>
 <p:presentation xmlns:a="http://schemas.openxmlformats.org/drawingml/2006/main" xmlns:r="http://schemas.openxmlformats.org/officeDocument/2006/relationships" xmlns:p="http://schemas.openxmlformats.org/presentationml/2006/main" saveSubsetFonts="1">
   <p:sldMasterIdLst>
-    <p:sldMasterId id="2147483648" r:id="rId1"/>
+    <p:sldMasterId id="2147483660" r:id="rId1"/>
   </p:sldMasterIdLst>
   <p:sldIdLst>
     <p:sldId id="256" r:id="rId2"/>
     <p:sldId id="257" r:id="rId3"/>
     <p:sldId id="258" r:id="rId4"/>
+    <p:sldId id="259" r:id="rId5"/>
   </p:sldIdLst>
-  <p:sldSz cx="12192000" cy="6858000"/>
+  <p:sldSz cx="24079200" cy="6858000"/>
   <p:notesSz cx="6858000" cy="9144000"/>
   <p:defaultTextStyle>
     <a:defPPr>
       <a:defRPr lang="en-US"/>
     </a:defPPr>
-    <a:lvl1pPr marL="0" algn="l" defTabSz="914400" rtl="0" eaLnBrk="1" latinLnBrk="0" hangingPunct="1">
+    <a:lvl1pPr marL="0" algn="l" defTabSz="457200" rtl="0" eaLnBrk="1" latinLnBrk="0" hangingPunct="1">
       <a:defRPr sz="1800" kern="1200">
         <a:solidFill>
           <a:schemeClr val="tx1"/>
@@ -25,7 +26,7 @@
         <a:cs typeface="+mn-cs"/>
       </a:defRPr>
     </a:lvl1pPr>
-    <a:lvl2pPr marL="457200" algn="l" defTabSz="914400" rtl="0" eaLnBrk="1" latinLnBrk="0" hangingPunct="1">
+    <a:lvl2pPr marL="457200" algn="l" defTabSz="457200" rtl="0" eaLnBrk="1" latinLnBrk="0" hangingPunct="1">
       <a:defRPr sz="1800" kern="1200">
         <a:solidFill>
           <a:schemeClr val="tx1"/>
@@ -35,7 +36,7 @@
         <a:cs typeface="+mn-cs"/>
       </a:defRPr>
     </a:lvl2pPr>
-    <a:lvl3pPr marL="914400" algn="l" defTabSz="914400" rtl="0" eaLnBrk="1" latinLnBrk="0" hangingPunct="1">
+    <a:lvl3pPr marL="914400" algn="l" defTabSz="457200" rtl="0" eaLnBrk="1" latinLnBrk="0" hangingPunct="1">
       <a:defRPr sz="1800" kern="1200">
         <a:solidFill>
           <a:schemeClr val="tx1"/>
@@ -45,7 +46,7 @@
         <a:cs typeface="+mn-cs"/>
       </a:defRPr>
     </a:lvl3pPr>
-    <a:lvl4pPr marL="1371600" algn="l" defTabSz="914400" rtl="0" eaLnBrk="1" latinLnBrk="0" hangingPunct="1">
+    <a:lvl4pPr marL="1371600" algn="l" defTabSz="457200" rtl="0" eaLnBrk="1" latinLnBrk="0" hangingPunct="1">
       <a:defRPr sz="1800" kern="1200">
         <a:solidFill>
           <a:schemeClr val="tx1"/>
@@ -55,7 +56,7 @@
         <a:cs typeface="+mn-cs"/>
       </a:defRPr>
     </a:lvl4pPr>
-    <a:lvl5pPr marL="1828800" algn="l" defTabSz="914400" rtl="0" eaLnBrk="1" latinLnBrk="0" hangingPunct="1">
+    <a:lvl5pPr marL="1828800" algn="l" defTabSz="457200" rtl="0" eaLnBrk="1" latinLnBrk="0" hangingPunct="1">
       <a:defRPr sz="1800" kern="1200">
         <a:solidFill>
           <a:schemeClr val="tx1"/>
@@ -65,7 +66,7 @@
         <a:cs typeface="+mn-cs"/>
       </a:defRPr>
     </a:lvl5pPr>
-    <a:lvl6pPr marL="2286000" algn="l" defTabSz="914400" rtl="0" eaLnBrk="1" latinLnBrk="0" hangingPunct="1">
+    <a:lvl6pPr marL="2286000" algn="l" defTabSz="457200" rtl="0" eaLnBrk="1" latinLnBrk="0" hangingPunct="1">
       <a:defRPr sz="1800" kern="1200">
         <a:solidFill>
           <a:schemeClr val="tx1"/>
@@ -75,7 +76,7 @@
         <a:cs typeface="+mn-cs"/>
       </a:defRPr>
     </a:lvl6pPr>
-    <a:lvl7pPr marL="2743200" algn="l" defTabSz="914400" rtl="0" eaLnBrk="1" latinLnBrk="0" hangingPunct="1">
+    <a:lvl7pPr marL="2743200" algn="l" defTabSz="457200" rtl="0" eaLnBrk="1" latinLnBrk="0" hangingPunct="1">
       <a:defRPr sz="1800" kern="1200">
         <a:solidFill>
           <a:schemeClr val="tx1"/>
@@ -85,7 +86,7 @@
         <a:cs typeface="+mn-cs"/>
       </a:defRPr>
     </a:lvl7pPr>
-    <a:lvl8pPr marL="3200400" algn="l" defTabSz="914400" rtl="0" eaLnBrk="1" latinLnBrk="0" hangingPunct="1">
+    <a:lvl8pPr marL="3200400" algn="l" defTabSz="457200" rtl="0" eaLnBrk="1" latinLnBrk="0" hangingPunct="1">
       <a:defRPr sz="1800" kern="1200">
         <a:solidFill>
           <a:schemeClr val="tx1"/>
@@ -95,7 +96,7 @@
         <a:cs typeface="+mn-cs"/>
       </a:defRPr>
     </a:lvl8pPr>
-    <a:lvl9pPr marL="3657600" algn="l" defTabSz="914400" rtl="0" eaLnBrk="1" latinLnBrk="0" hangingPunct="1">
+    <a:lvl9pPr marL="3657600" algn="l" defTabSz="457200" rtl="0" eaLnBrk="1" latinLnBrk="0" hangingPunct="1">
       <a:defRPr sz="1800" kern="1200">
         <a:solidFill>
           <a:schemeClr val="tx1"/>
@@ -106,6 +107,11 @@
       </a:defRPr>
     </a:lvl9pPr>
   </p:defaultTextStyle>
+  <p:extLst>
+    <p:ext uri="{EFAFB233-063F-42B5-8137-9DF3F51BA10A}">
+      <p15:sldGuideLst xmlns:p15="http://schemas.microsoft.com/office/powerpoint/2012/main"/>
+    </p:ext>
+  </p:extLst>
 </p:presentation>
 </file>
 
@@ -128,13 +134,7 @@
       </p:grpSpPr>
       <p:sp>
         <p:nvSpPr>
-          <p:cNvPr id="2" name="Title 1">
-            <a:extLst>
-              <a:ext uri="{FF2B5EF4-FFF2-40B4-BE49-F238E27FC236}">
-                <a16:creationId xmlns:a16="http://schemas.microsoft.com/office/drawing/2014/main" id="{011F26B2-976B-44F8-98C0-B00C010D3BF7}"/>
-              </a:ext>
-            </a:extLst>
-          </p:cNvPr>
+          <p:cNvPr id="2" name="Title 1"/>
           <p:cNvSpPr>
             <a:spLocks noGrp="1"/>
           </p:cNvSpPr>
@@ -144,8 +144,8 @@
         </p:nvSpPr>
         <p:spPr>
           <a:xfrm>
-            <a:off x="1524000" y="1122363"/>
-            <a:ext cx="9144000" cy="2387600"/>
+            <a:off x="3009900" y="1122363"/>
+            <a:ext cx="18059400" cy="2387600"/>
           </a:xfrm>
         </p:spPr>
         <p:txBody>
@@ -160,18 +160,13 @@
               <a:rPr lang="en-US"/>
               <a:t>Click to edit Master title style</a:t>
             </a:r>
-          </a:p>
-        </p:txBody>
-      </p:sp>
-      <p:sp>
-        <p:nvSpPr>
-          <p:cNvPr id="3" name="Subtitle 2">
-            <a:extLst>
-              <a:ext uri="{FF2B5EF4-FFF2-40B4-BE49-F238E27FC236}">
-                <a16:creationId xmlns:a16="http://schemas.microsoft.com/office/drawing/2014/main" id="{61EDD509-E453-4D19-A620-ECC9E944AC82}"/>
-              </a:ext>
-            </a:extLst>
-          </p:cNvPr>
+            <a:endParaRPr lang="en-US" dirty="0"/>
+          </a:p>
+        </p:txBody>
+      </p:sp>
+      <p:sp>
+        <p:nvSpPr>
+          <p:cNvPr id="3" name="Subtitle 2"/>
           <p:cNvSpPr>
             <a:spLocks noGrp="1"/>
           </p:cNvSpPr>
@@ -181,8 +176,8 @@
         </p:nvSpPr>
         <p:spPr>
           <a:xfrm>
-            <a:off x="1524000" y="3602038"/>
-            <a:ext cx="9144000" cy="1655762"/>
+            <a:off x="3009900" y="3602038"/>
+            <a:ext cx="18059400" cy="1655762"/>
           </a:xfrm>
         </p:spPr>
         <p:txBody>
@@ -230,18 +225,13 @@
               <a:rPr lang="en-US"/>
               <a:t>Click to edit Master subtitle style</a:t>
             </a:r>
-          </a:p>
-        </p:txBody>
-      </p:sp>
-      <p:sp>
-        <p:nvSpPr>
-          <p:cNvPr id="4" name="Date Placeholder 3">
-            <a:extLst>
-              <a:ext uri="{FF2B5EF4-FFF2-40B4-BE49-F238E27FC236}">
-                <a16:creationId xmlns:a16="http://schemas.microsoft.com/office/drawing/2014/main" id="{F18FC74F-8438-401E-967C-BE42C02C4AF2}"/>
-              </a:ext>
-            </a:extLst>
-          </p:cNvPr>
+            <a:endParaRPr lang="en-US" dirty="0"/>
+          </a:p>
+        </p:txBody>
+      </p:sp>
+      <p:sp>
+        <p:nvSpPr>
+          <p:cNvPr id="4" name="Date Placeholder 3"/>
           <p:cNvSpPr>
             <a:spLocks noGrp="1"/>
           </p:cNvSpPr>
@@ -264,13 +254,7 @@
       </p:sp>
       <p:sp>
         <p:nvSpPr>
-          <p:cNvPr id="5" name="Footer Placeholder 4">
-            <a:extLst>
-              <a:ext uri="{FF2B5EF4-FFF2-40B4-BE49-F238E27FC236}">
-                <a16:creationId xmlns:a16="http://schemas.microsoft.com/office/drawing/2014/main" id="{A6CD4756-4751-432B-B81D-AD10BAFFF696}"/>
-              </a:ext>
-            </a:extLst>
-          </p:cNvPr>
+          <p:cNvPr id="5" name="Footer Placeholder 4"/>
           <p:cNvSpPr>
             <a:spLocks noGrp="1"/>
           </p:cNvSpPr>
@@ -289,13 +273,7 @@
       </p:sp>
       <p:sp>
         <p:nvSpPr>
-          <p:cNvPr id="6" name="Slide Number Placeholder 5">
-            <a:extLst>
-              <a:ext uri="{FF2B5EF4-FFF2-40B4-BE49-F238E27FC236}">
-                <a16:creationId xmlns:a16="http://schemas.microsoft.com/office/drawing/2014/main" id="{C853202F-FBE5-4B61-83F5-5C5E8A6482D2}"/>
-              </a:ext>
-            </a:extLst>
-          </p:cNvPr>
+          <p:cNvPr id="6" name="Slide Number Placeholder 5"/>
           <p:cNvSpPr>
             <a:spLocks noGrp="1"/>
           </p:cNvSpPr>
@@ -319,7 +297,7 @@
     </p:spTree>
     <p:extLst>
       <p:ext uri="{BB962C8B-B14F-4D97-AF65-F5344CB8AC3E}">
-        <p14:creationId xmlns:p14="http://schemas.microsoft.com/office/powerpoint/2010/main" val="3868560301"/>
+        <p14:creationId xmlns:p14="http://schemas.microsoft.com/office/powerpoint/2010/main" val="754924928"/>
       </p:ext>
     </p:extLst>
   </p:cSld>
@@ -348,13 +326,7 @@
       </p:grpSpPr>
       <p:sp>
         <p:nvSpPr>
-          <p:cNvPr id="2" name="Title 1">
-            <a:extLst>
-              <a:ext uri="{FF2B5EF4-FFF2-40B4-BE49-F238E27FC236}">
-                <a16:creationId xmlns:a16="http://schemas.microsoft.com/office/drawing/2014/main" id="{65E7677E-DF08-4E25-9C01-B8312DE4B41F}"/>
-              </a:ext>
-            </a:extLst>
-          </p:cNvPr>
+          <p:cNvPr id="2" name="Title 1"/>
           <p:cNvSpPr>
             <a:spLocks noGrp="1"/>
           </p:cNvSpPr>
@@ -371,18 +343,13 @@
               <a:rPr lang="en-US"/>
               <a:t>Click to edit Master title style</a:t>
             </a:r>
-          </a:p>
-        </p:txBody>
-      </p:sp>
-      <p:sp>
-        <p:nvSpPr>
-          <p:cNvPr id="3" name="Vertical Text Placeholder 2">
-            <a:extLst>
-              <a:ext uri="{FF2B5EF4-FFF2-40B4-BE49-F238E27FC236}">
-                <a16:creationId xmlns:a16="http://schemas.microsoft.com/office/drawing/2014/main" id="{D9B28E02-3A14-4F8B-9988-D285871EDB90}"/>
-              </a:ext>
-            </a:extLst>
-          </p:cNvPr>
+            <a:endParaRPr lang="en-US" dirty="0"/>
+          </a:p>
+        </p:txBody>
+      </p:sp>
+      <p:sp>
+        <p:nvSpPr>
+          <p:cNvPr id="3" name="Vertical Text Placeholder 2"/>
           <p:cNvSpPr>
             <a:spLocks noGrp="1"/>
           </p:cNvSpPr>
@@ -428,18 +395,13 @@
               <a:rPr lang="en-US"/>
               <a:t>Fifth level</a:t>
             </a:r>
-          </a:p>
-        </p:txBody>
-      </p:sp>
-      <p:sp>
-        <p:nvSpPr>
-          <p:cNvPr id="4" name="Date Placeholder 3">
-            <a:extLst>
-              <a:ext uri="{FF2B5EF4-FFF2-40B4-BE49-F238E27FC236}">
-                <a16:creationId xmlns:a16="http://schemas.microsoft.com/office/drawing/2014/main" id="{3CB2F2A1-7A6A-40CB-9F7C-1EA95E2DBBEC}"/>
-              </a:ext>
-            </a:extLst>
-          </p:cNvPr>
+            <a:endParaRPr lang="en-US" dirty="0"/>
+          </a:p>
+        </p:txBody>
+      </p:sp>
+      <p:sp>
+        <p:nvSpPr>
+          <p:cNvPr id="4" name="Date Placeholder 3"/>
           <p:cNvSpPr>
             <a:spLocks noGrp="1"/>
           </p:cNvSpPr>
@@ -462,13 +424,7 @@
       </p:sp>
       <p:sp>
         <p:nvSpPr>
-          <p:cNvPr id="5" name="Footer Placeholder 4">
-            <a:extLst>
-              <a:ext uri="{FF2B5EF4-FFF2-40B4-BE49-F238E27FC236}">
-                <a16:creationId xmlns:a16="http://schemas.microsoft.com/office/drawing/2014/main" id="{A12D941F-1C30-42A6-BB49-076C7E895C5A}"/>
-              </a:ext>
-            </a:extLst>
-          </p:cNvPr>
+          <p:cNvPr id="5" name="Footer Placeholder 4"/>
           <p:cNvSpPr>
             <a:spLocks noGrp="1"/>
           </p:cNvSpPr>
@@ -487,13 +443,7 @@
       </p:sp>
       <p:sp>
         <p:nvSpPr>
-          <p:cNvPr id="6" name="Slide Number Placeholder 5">
-            <a:extLst>
-              <a:ext uri="{FF2B5EF4-FFF2-40B4-BE49-F238E27FC236}">
-                <a16:creationId xmlns:a16="http://schemas.microsoft.com/office/drawing/2014/main" id="{52B2CA3D-ADFC-4C14-B7E1-F585C6D60FE5}"/>
-              </a:ext>
-            </a:extLst>
-          </p:cNvPr>
+          <p:cNvPr id="6" name="Slide Number Placeholder 5"/>
           <p:cNvSpPr>
             <a:spLocks noGrp="1"/>
           </p:cNvSpPr>
@@ -517,7 +467,7 @@
     </p:spTree>
     <p:extLst>
       <p:ext uri="{BB962C8B-B14F-4D97-AF65-F5344CB8AC3E}">
-        <p14:creationId xmlns:p14="http://schemas.microsoft.com/office/powerpoint/2010/main" val="626583535"/>
+        <p14:creationId xmlns:p14="http://schemas.microsoft.com/office/powerpoint/2010/main" val="842681830"/>
       </p:ext>
     </p:extLst>
   </p:cSld>
@@ -546,13 +496,7 @@
       </p:grpSpPr>
       <p:sp>
         <p:nvSpPr>
-          <p:cNvPr id="2" name="Vertical Title 1">
-            <a:extLst>
-              <a:ext uri="{FF2B5EF4-FFF2-40B4-BE49-F238E27FC236}">
-                <a16:creationId xmlns:a16="http://schemas.microsoft.com/office/drawing/2014/main" id="{9CA26411-88F6-4A4D-817A-62B77F6384C0}"/>
-              </a:ext>
-            </a:extLst>
-          </p:cNvPr>
+          <p:cNvPr id="2" name="Vertical Title 1"/>
           <p:cNvSpPr>
             <a:spLocks noGrp="1"/>
           </p:cNvSpPr>
@@ -562,8 +506,8 @@
         </p:nvSpPr>
         <p:spPr>
           <a:xfrm>
-            <a:off x="8724900" y="365125"/>
-            <a:ext cx="2628900" cy="5811838"/>
+            <a:off x="17231677" y="365125"/>
+            <a:ext cx="5192078" cy="5811838"/>
           </a:xfrm>
         </p:spPr>
         <p:txBody>
@@ -574,18 +518,13 @@
               <a:rPr lang="en-US"/>
               <a:t>Click to edit Master title style</a:t>
             </a:r>
-          </a:p>
-        </p:txBody>
-      </p:sp>
-      <p:sp>
-        <p:nvSpPr>
-          <p:cNvPr id="3" name="Vertical Text Placeholder 2">
-            <a:extLst>
-              <a:ext uri="{FF2B5EF4-FFF2-40B4-BE49-F238E27FC236}">
-                <a16:creationId xmlns:a16="http://schemas.microsoft.com/office/drawing/2014/main" id="{2018C27C-65FE-42E2-BA25-7C44CA971B9A}"/>
-              </a:ext>
-            </a:extLst>
-          </p:cNvPr>
+            <a:endParaRPr lang="en-US" dirty="0"/>
+          </a:p>
+        </p:txBody>
+      </p:sp>
+      <p:sp>
+        <p:nvSpPr>
+          <p:cNvPr id="3" name="Vertical Text Placeholder 2"/>
           <p:cNvSpPr>
             <a:spLocks noGrp="1"/>
           </p:cNvSpPr>
@@ -595,8 +534,8 @@
         </p:nvSpPr>
         <p:spPr>
           <a:xfrm>
-            <a:off x="838200" y="365125"/>
-            <a:ext cx="7734300" cy="5811838"/>
+            <a:off x="1655445" y="365125"/>
+            <a:ext cx="15275243" cy="5811838"/>
           </a:xfrm>
         </p:spPr>
         <p:txBody>
@@ -636,18 +575,13 @@
               <a:rPr lang="en-US"/>
               <a:t>Fifth level</a:t>
             </a:r>
-          </a:p>
-        </p:txBody>
-      </p:sp>
-      <p:sp>
-        <p:nvSpPr>
-          <p:cNvPr id="4" name="Date Placeholder 3">
-            <a:extLst>
-              <a:ext uri="{FF2B5EF4-FFF2-40B4-BE49-F238E27FC236}">
-                <a16:creationId xmlns:a16="http://schemas.microsoft.com/office/drawing/2014/main" id="{BD5A41DC-714D-4AF9-A64B-3B11024ECE93}"/>
-              </a:ext>
-            </a:extLst>
-          </p:cNvPr>
+            <a:endParaRPr lang="en-US" dirty="0"/>
+          </a:p>
+        </p:txBody>
+      </p:sp>
+      <p:sp>
+        <p:nvSpPr>
+          <p:cNvPr id="4" name="Date Placeholder 3"/>
           <p:cNvSpPr>
             <a:spLocks noGrp="1"/>
           </p:cNvSpPr>
@@ -670,13 +604,7 @@
       </p:sp>
       <p:sp>
         <p:nvSpPr>
-          <p:cNvPr id="5" name="Footer Placeholder 4">
-            <a:extLst>
-              <a:ext uri="{FF2B5EF4-FFF2-40B4-BE49-F238E27FC236}">
-                <a16:creationId xmlns:a16="http://schemas.microsoft.com/office/drawing/2014/main" id="{70C34A94-8AAF-42D8-9D45-DFC001ADC3B2}"/>
-              </a:ext>
-            </a:extLst>
-          </p:cNvPr>
+          <p:cNvPr id="5" name="Footer Placeholder 4"/>
           <p:cNvSpPr>
             <a:spLocks noGrp="1"/>
           </p:cNvSpPr>
@@ -695,13 +623,7 @@
       </p:sp>
       <p:sp>
         <p:nvSpPr>
-          <p:cNvPr id="6" name="Slide Number Placeholder 5">
-            <a:extLst>
-              <a:ext uri="{FF2B5EF4-FFF2-40B4-BE49-F238E27FC236}">
-                <a16:creationId xmlns:a16="http://schemas.microsoft.com/office/drawing/2014/main" id="{A01A94C7-6174-43AD-902D-DE1A59A59F5F}"/>
-              </a:ext>
-            </a:extLst>
-          </p:cNvPr>
+          <p:cNvPr id="6" name="Slide Number Placeholder 5"/>
           <p:cNvSpPr>
             <a:spLocks noGrp="1"/>
           </p:cNvSpPr>
@@ -725,7 +647,7 @@
     </p:spTree>
     <p:extLst>
       <p:ext uri="{BB962C8B-B14F-4D97-AF65-F5344CB8AC3E}">
-        <p14:creationId xmlns:p14="http://schemas.microsoft.com/office/powerpoint/2010/main" val="1657104592"/>
+        <p14:creationId xmlns:p14="http://schemas.microsoft.com/office/powerpoint/2010/main" val="1213995487"/>
       </p:ext>
     </p:extLst>
   </p:cSld>
@@ -754,13 +676,7 @@
       </p:grpSpPr>
       <p:sp>
         <p:nvSpPr>
-          <p:cNvPr id="2" name="Title 1">
-            <a:extLst>
-              <a:ext uri="{FF2B5EF4-FFF2-40B4-BE49-F238E27FC236}">
-                <a16:creationId xmlns:a16="http://schemas.microsoft.com/office/drawing/2014/main" id="{FA1DF14F-3851-43F3-8918-51012D94A275}"/>
-              </a:ext>
-            </a:extLst>
-          </p:cNvPr>
+          <p:cNvPr id="2" name="Title 1"/>
           <p:cNvSpPr>
             <a:spLocks noGrp="1"/>
           </p:cNvSpPr>
@@ -777,18 +693,13 @@
               <a:rPr lang="en-US"/>
               <a:t>Click to edit Master title style</a:t>
             </a:r>
-          </a:p>
-        </p:txBody>
-      </p:sp>
-      <p:sp>
-        <p:nvSpPr>
-          <p:cNvPr id="3" name="Content Placeholder 2">
-            <a:extLst>
-              <a:ext uri="{FF2B5EF4-FFF2-40B4-BE49-F238E27FC236}">
-                <a16:creationId xmlns:a16="http://schemas.microsoft.com/office/drawing/2014/main" id="{7CAF120C-F0F7-4DE4-BA7E-B537554772C8}"/>
-              </a:ext>
-            </a:extLst>
-          </p:cNvPr>
+            <a:endParaRPr lang="en-US" dirty="0"/>
+          </a:p>
+        </p:txBody>
+      </p:sp>
+      <p:sp>
+        <p:nvSpPr>
+          <p:cNvPr id="3" name="Content Placeholder 2"/>
           <p:cNvSpPr>
             <a:spLocks noGrp="1"/>
           </p:cNvSpPr>
@@ -834,18 +745,13 @@
               <a:rPr lang="en-US"/>
               <a:t>Fifth level</a:t>
             </a:r>
-          </a:p>
-        </p:txBody>
-      </p:sp>
-      <p:sp>
-        <p:nvSpPr>
-          <p:cNvPr id="4" name="Date Placeholder 3">
-            <a:extLst>
-              <a:ext uri="{FF2B5EF4-FFF2-40B4-BE49-F238E27FC236}">
-                <a16:creationId xmlns:a16="http://schemas.microsoft.com/office/drawing/2014/main" id="{D2B266CB-E37C-4DDC-B3B5-EC7678EDF946}"/>
-              </a:ext>
-            </a:extLst>
-          </p:cNvPr>
+            <a:endParaRPr lang="en-US" dirty="0"/>
+          </a:p>
+        </p:txBody>
+      </p:sp>
+      <p:sp>
+        <p:nvSpPr>
+          <p:cNvPr id="4" name="Date Placeholder 3"/>
           <p:cNvSpPr>
             <a:spLocks noGrp="1"/>
           </p:cNvSpPr>
@@ -868,13 +774,7 @@
       </p:sp>
       <p:sp>
         <p:nvSpPr>
-          <p:cNvPr id="5" name="Footer Placeholder 4">
-            <a:extLst>
-              <a:ext uri="{FF2B5EF4-FFF2-40B4-BE49-F238E27FC236}">
-                <a16:creationId xmlns:a16="http://schemas.microsoft.com/office/drawing/2014/main" id="{DC5A3856-B84A-4461-9D43-8276507937C9}"/>
-              </a:ext>
-            </a:extLst>
-          </p:cNvPr>
+          <p:cNvPr id="5" name="Footer Placeholder 4"/>
           <p:cNvSpPr>
             <a:spLocks noGrp="1"/>
           </p:cNvSpPr>
@@ -893,13 +793,7 @@
       </p:sp>
       <p:sp>
         <p:nvSpPr>
-          <p:cNvPr id="6" name="Slide Number Placeholder 5">
-            <a:extLst>
-              <a:ext uri="{FF2B5EF4-FFF2-40B4-BE49-F238E27FC236}">
-                <a16:creationId xmlns:a16="http://schemas.microsoft.com/office/drawing/2014/main" id="{1D5E13AB-87C5-4663-8F7E-C5268144A347}"/>
-              </a:ext>
-            </a:extLst>
-          </p:cNvPr>
+          <p:cNvPr id="6" name="Slide Number Placeholder 5"/>
           <p:cNvSpPr>
             <a:spLocks noGrp="1"/>
           </p:cNvSpPr>
@@ -923,7 +817,7 @@
     </p:spTree>
     <p:extLst>
       <p:ext uri="{BB962C8B-B14F-4D97-AF65-F5344CB8AC3E}">
-        <p14:creationId xmlns:p14="http://schemas.microsoft.com/office/powerpoint/2010/main" val="1053303563"/>
+        <p14:creationId xmlns:p14="http://schemas.microsoft.com/office/powerpoint/2010/main" val="2250641201"/>
       </p:ext>
     </p:extLst>
   </p:cSld>
@@ -952,13 +846,7 @@
       </p:grpSpPr>
       <p:sp>
         <p:nvSpPr>
-          <p:cNvPr id="2" name="Title 1">
-            <a:extLst>
-              <a:ext uri="{FF2B5EF4-FFF2-40B4-BE49-F238E27FC236}">
-                <a16:creationId xmlns:a16="http://schemas.microsoft.com/office/drawing/2014/main" id="{CE3C0F86-618B-4342-8BBC-C60B073A3F44}"/>
-              </a:ext>
-            </a:extLst>
-          </p:cNvPr>
+          <p:cNvPr id="2" name="Title 1"/>
           <p:cNvSpPr>
             <a:spLocks noGrp="1"/>
           </p:cNvSpPr>
@@ -968,8 +856,8 @@
         </p:nvSpPr>
         <p:spPr>
           <a:xfrm>
-            <a:off x="831850" y="1709738"/>
-            <a:ext cx="10515600" cy="2852737"/>
+            <a:off x="1642904" y="1709739"/>
+            <a:ext cx="20768310" cy="2852737"/>
           </a:xfrm>
         </p:spPr>
         <p:txBody>
@@ -984,18 +872,13 @@
               <a:rPr lang="en-US"/>
               <a:t>Click to edit Master title style</a:t>
             </a:r>
-          </a:p>
-        </p:txBody>
-      </p:sp>
-      <p:sp>
-        <p:nvSpPr>
-          <p:cNvPr id="3" name="Text Placeholder 2">
-            <a:extLst>
-              <a:ext uri="{FF2B5EF4-FFF2-40B4-BE49-F238E27FC236}">
-                <a16:creationId xmlns:a16="http://schemas.microsoft.com/office/drawing/2014/main" id="{9C223C0C-9091-400F-8E8B-7AE1AFD8019E}"/>
-              </a:ext>
-            </a:extLst>
-          </p:cNvPr>
+            <a:endParaRPr lang="en-US" dirty="0"/>
+          </a:p>
+        </p:txBody>
+      </p:sp>
+      <p:sp>
+        <p:nvSpPr>
+          <p:cNvPr id="3" name="Text Placeholder 2"/>
           <p:cNvSpPr>
             <a:spLocks noGrp="1"/>
           </p:cNvSpPr>
@@ -1005,8 +888,8 @@
         </p:nvSpPr>
         <p:spPr>
           <a:xfrm>
-            <a:off x="831850" y="4589463"/>
-            <a:ext cx="10515600" cy="1500187"/>
+            <a:off x="1642904" y="4589464"/>
+            <a:ext cx="20768310" cy="1500187"/>
           </a:xfrm>
         </p:spPr>
         <p:txBody>
@@ -1114,13 +997,7 @@
       </p:sp>
       <p:sp>
         <p:nvSpPr>
-          <p:cNvPr id="4" name="Date Placeholder 3">
-            <a:extLst>
-              <a:ext uri="{FF2B5EF4-FFF2-40B4-BE49-F238E27FC236}">
-                <a16:creationId xmlns:a16="http://schemas.microsoft.com/office/drawing/2014/main" id="{D8CF954E-8D9C-4D9F-AB3C-0B5F5E3EB3FD}"/>
-              </a:ext>
-            </a:extLst>
-          </p:cNvPr>
+          <p:cNvPr id="4" name="Date Placeholder 3"/>
           <p:cNvSpPr>
             <a:spLocks noGrp="1"/>
           </p:cNvSpPr>
@@ -1143,13 +1020,7 @@
       </p:sp>
       <p:sp>
         <p:nvSpPr>
-          <p:cNvPr id="5" name="Footer Placeholder 4">
-            <a:extLst>
-              <a:ext uri="{FF2B5EF4-FFF2-40B4-BE49-F238E27FC236}">
-                <a16:creationId xmlns:a16="http://schemas.microsoft.com/office/drawing/2014/main" id="{082B16AF-D20E-4171-8DD4-5785B27E7360}"/>
-              </a:ext>
-            </a:extLst>
-          </p:cNvPr>
+          <p:cNvPr id="5" name="Footer Placeholder 4"/>
           <p:cNvSpPr>
             <a:spLocks noGrp="1"/>
           </p:cNvSpPr>
@@ -1168,13 +1039,7 @@
       </p:sp>
       <p:sp>
         <p:nvSpPr>
-          <p:cNvPr id="6" name="Slide Number Placeholder 5">
-            <a:extLst>
-              <a:ext uri="{FF2B5EF4-FFF2-40B4-BE49-F238E27FC236}">
-                <a16:creationId xmlns:a16="http://schemas.microsoft.com/office/drawing/2014/main" id="{18D891A5-C558-43F1-9DB2-14C2E44563C4}"/>
-              </a:ext>
-            </a:extLst>
-          </p:cNvPr>
+          <p:cNvPr id="6" name="Slide Number Placeholder 5"/>
           <p:cNvSpPr>
             <a:spLocks noGrp="1"/>
           </p:cNvSpPr>
@@ -1198,7 +1063,7 @@
     </p:spTree>
     <p:extLst>
       <p:ext uri="{BB962C8B-B14F-4D97-AF65-F5344CB8AC3E}">
-        <p14:creationId xmlns:p14="http://schemas.microsoft.com/office/powerpoint/2010/main" val="2296176828"/>
+        <p14:creationId xmlns:p14="http://schemas.microsoft.com/office/powerpoint/2010/main" val="118443957"/>
       </p:ext>
     </p:extLst>
   </p:cSld>
@@ -1227,13 +1092,7 @@
       </p:grpSpPr>
       <p:sp>
         <p:nvSpPr>
-          <p:cNvPr id="2" name="Title 1">
-            <a:extLst>
-              <a:ext uri="{FF2B5EF4-FFF2-40B4-BE49-F238E27FC236}">
-                <a16:creationId xmlns:a16="http://schemas.microsoft.com/office/drawing/2014/main" id="{FFC4474E-FE05-469C-9CB1-FF0AA9DF5B7B}"/>
-              </a:ext>
-            </a:extLst>
-          </p:cNvPr>
+          <p:cNvPr id="2" name="Title 1"/>
           <p:cNvSpPr>
             <a:spLocks noGrp="1"/>
           </p:cNvSpPr>
@@ -1250,18 +1109,13 @@
               <a:rPr lang="en-US"/>
               <a:t>Click to edit Master title style</a:t>
             </a:r>
-          </a:p>
-        </p:txBody>
-      </p:sp>
-      <p:sp>
-        <p:nvSpPr>
-          <p:cNvPr id="3" name="Content Placeholder 2">
-            <a:extLst>
-              <a:ext uri="{FF2B5EF4-FFF2-40B4-BE49-F238E27FC236}">
-                <a16:creationId xmlns:a16="http://schemas.microsoft.com/office/drawing/2014/main" id="{319DBFB7-DA02-4DDF-90E5-F22E9C9E712B}"/>
-              </a:ext>
-            </a:extLst>
-          </p:cNvPr>
+            <a:endParaRPr lang="en-US" dirty="0"/>
+          </a:p>
+        </p:txBody>
+      </p:sp>
+      <p:sp>
+        <p:nvSpPr>
+          <p:cNvPr id="3" name="Content Placeholder 2"/>
           <p:cNvSpPr>
             <a:spLocks noGrp="1"/>
           </p:cNvSpPr>
@@ -1271,8 +1125,8 @@
         </p:nvSpPr>
         <p:spPr>
           <a:xfrm>
-            <a:off x="838200" y="1825625"/>
-            <a:ext cx="5181600" cy="4351338"/>
+            <a:off x="1655445" y="1825625"/>
+            <a:ext cx="10233660" cy="4351338"/>
           </a:xfrm>
         </p:spPr>
         <p:txBody>
@@ -1312,18 +1166,13 @@
               <a:rPr lang="en-US"/>
               <a:t>Fifth level</a:t>
             </a:r>
-          </a:p>
-        </p:txBody>
-      </p:sp>
-      <p:sp>
-        <p:nvSpPr>
-          <p:cNvPr id="4" name="Content Placeholder 3">
-            <a:extLst>
-              <a:ext uri="{FF2B5EF4-FFF2-40B4-BE49-F238E27FC236}">
-                <a16:creationId xmlns:a16="http://schemas.microsoft.com/office/drawing/2014/main" id="{05CDE12F-6BC4-4E66-8F88-05762C882432}"/>
-              </a:ext>
-            </a:extLst>
-          </p:cNvPr>
+            <a:endParaRPr lang="en-US" dirty="0"/>
+          </a:p>
+        </p:txBody>
+      </p:sp>
+      <p:sp>
+        <p:nvSpPr>
+          <p:cNvPr id="4" name="Content Placeholder 3"/>
           <p:cNvSpPr>
             <a:spLocks noGrp="1"/>
           </p:cNvSpPr>
@@ -1333,8 +1182,8 @@
         </p:nvSpPr>
         <p:spPr>
           <a:xfrm>
-            <a:off x="6172200" y="1825625"/>
-            <a:ext cx="5181600" cy="4351338"/>
+            <a:off x="12190095" y="1825625"/>
+            <a:ext cx="10233660" cy="4351338"/>
           </a:xfrm>
         </p:spPr>
         <p:txBody>
@@ -1374,18 +1223,13 @@
               <a:rPr lang="en-US"/>
               <a:t>Fifth level</a:t>
             </a:r>
-          </a:p>
-        </p:txBody>
-      </p:sp>
-      <p:sp>
-        <p:nvSpPr>
-          <p:cNvPr id="5" name="Date Placeholder 4">
-            <a:extLst>
-              <a:ext uri="{FF2B5EF4-FFF2-40B4-BE49-F238E27FC236}">
-                <a16:creationId xmlns:a16="http://schemas.microsoft.com/office/drawing/2014/main" id="{7F248B76-BA34-4DCA-B4A7-62912984C73B}"/>
-              </a:ext>
-            </a:extLst>
-          </p:cNvPr>
+            <a:endParaRPr lang="en-US" dirty="0"/>
+          </a:p>
+        </p:txBody>
+      </p:sp>
+      <p:sp>
+        <p:nvSpPr>
+          <p:cNvPr id="5" name="Date Placeholder 4"/>
           <p:cNvSpPr>
             <a:spLocks noGrp="1"/>
           </p:cNvSpPr>
@@ -1408,13 +1252,7 @@
       </p:sp>
       <p:sp>
         <p:nvSpPr>
-          <p:cNvPr id="6" name="Footer Placeholder 5">
-            <a:extLst>
-              <a:ext uri="{FF2B5EF4-FFF2-40B4-BE49-F238E27FC236}">
-                <a16:creationId xmlns:a16="http://schemas.microsoft.com/office/drawing/2014/main" id="{E838FAB3-C2A6-4E4C-B919-35120A103B82}"/>
-              </a:ext>
-            </a:extLst>
-          </p:cNvPr>
+          <p:cNvPr id="6" name="Footer Placeholder 5"/>
           <p:cNvSpPr>
             <a:spLocks noGrp="1"/>
           </p:cNvSpPr>
@@ -1433,13 +1271,7 @@
       </p:sp>
       <p:sp>
         <p:nvSpPr>
-          <p:cNvPr id="7" name="Slide Number Placeholder 6">
-            <a:extLst>
-              <a:ext uri="{FF2B5EF4-FFF2-40B4-BE49-F238E27FC236}">
-                <a16:creationId xmlns:a16="http://schemas.microsoft.com/office/drawing/2014/main" id="{EE9B4D4B-CCCE-4ADD-8568-E62ABDE71AAC}"/>
-              </a:ext>
-            </a:extLst>
-          </p:cNvPr>
+          <p:cNvPr id="7" name="Slide Number Placeholder 6"/>
           <p:cNvSpPr>
             <a:spLocks noGrp="1"/>
           </p:cNvSpPr>
@@ -1463,7 +1295,7 @@
     </p:spTree>
     <p:extLst>
       <p:ext uri="{BB962C8B-B14F-4D97-AF65-F5344CB8AC3E}">
-        <p14:creationId xmlns:p14="http://schemas.microsoft.com/office/powerpoint/2010/main" val="1839947500"/>
+        <p14:creationId xmlns:p14="http://schemas.microsoft.com/office/powerpoint/2010/main" val="2898044803"/>
       </p:ext>
     </p:extLst>
   </p:cSld>
@@ -1492,13 +1324,7 @@
       </p:grpSpPr>
       <p:sp>
         <p:nvSpPr>
-          <p:cNvPr id="2" name="Title 1">
-            <a:extLst>
-              <a:ext uri="{FF2B5EF4-FFF2-40B4-BE49-F238E27FC236}">
-                <a16:creationId xmlns:a16="http://schemas.microsoft.com/office/drawing/2014/main" id="{AFD83F93-8B5C-43CD-A3EE-C05366A7044D}"/>
-              </a:ext>
-            </a:extLst>
-          </p:cNvPr>
+          <p:cNvPr id="2" name="Title 1"/>
           <p:cNvSpPr>
             <a:spLocks noGrp="1"/>
           </p:cNvSpPr>
@@ -1508,8 +1334,8 @@
         </p:nvSpPr>
         <p:spPr>
           <a:xfrm>
-            <a:off x="839788" y="365125"/>
-            <a:ext cx="10515600" cy="1325563"/>
+            <a:off x="1658581" y="365126"/>
+            <a:ext cx="20768310" cy="1325563"/>
           </a:xfrm>
         </p:spPr>
         <p:txBody>
@@ -1520,18 +1346,13 @@
               <a:rPr lang="en-US"/>
               <a:t>Click to edit Master title style</a:t>
             </a:r>
-          </a:p>
-        </p:txBody>
-      </p:sp>
-      <p:sp>
-        <p:nvSpPr>
-          <p:cNvPr id="3" name="Text Placeholder 2">
-            <a:extLst>
-              <a:ext uri="{FF2B5EF4-FFF2-40B4-BE49-F238E27FC236}">
-                <a16:creationId xmlns:a16="http://schemas.microsoft.com/office/drawing/2014/main" id="{25FA02C0-C1E5-48C1-9105-9516D557C8AB}"/>
-              </a:ext>
-            </a:extLst>
-          </p:cNvPr>
+            <a:endParaRPr lang="en-US" dirty="0"/>
+          </a:p>
+        </p:txBody>
+      </p:sp>
+      <p:sp>
+        <p:nvSpPr>
+          <p:cNvPr id="3" name="Text Placeholder 2"/>
           <p:cNvSpPr>
             <a:spLocks noGrp="1"/>
           </p:cNvSpPr>
@@ -1541,8 +1362,8 @@
         </p:nvSpPr>
         <p:spPr>
           <a:xfrm>
-            <a:off x="839788" y="1681163"/>
-            <a:ext cx="5157787" cy="823912"/>
+            <a:off x="1658582" y="1681163"/>
+            <a:ext cx="10186629" cy="823912"/>
           </a:xfrm>
         </p:spPr>
         <p:txBody>
@@ -1596,13 +1417,7 @@
       </p:sp>
       <p:sp>
         <p:nvSpPr>
-          <p:cNvPr id="4" name="Content Placeholder 3">
-            <a:extLst>
-              <a:ext uri="{FF2B5EF4-FFF2-40B4-BE49-F238E27FC236}">
-                <a16:creationId xmlns:a16="http://schemas.microsoft.com/office/drawing/2014/main" id="{27E7AEA2-4832-40DB-A0D3-45B61E53EC1E}"/>
-              </a:ext>
-            </a:extLst>
-          </p:cNvPr>
+          <p:cNvPr id="4" name="Content Placeholder 3"/>
           <p:cNvSpPr>
             <a:spLocks noGrp="1"/>
           </p:cNvSpPr>
@@ -1612,8 +1427,8 @@
         </p:nvSpPr>
         <p:spPr>
           <a:xfrm>
-            <a:off x="839788" y="2505075"/>
-            <a:ext cx="5157787" cy="3684588"/>
+            <a:off x="1658582" y="2505075"/>
+            <a:ext cx="10186629" cy="3684588"/>
           </a:xfrm>
         </p:spPr>
         <p:txBody>
@@ -1653,18 +1468,13 @@
               <a:rPr lang="en-US"/>
               <a:t>Fifth level</a:t>
             </a:r>
-          </a:p>
-        </p:txBody>
-      </p:sp>
-      <p:sp>
-        <p:nvSpPr>
-          <p:cNvPr id="5" name="Text Placeholder 4">
-            <a:extLst>
-              <a:ext uri="{FF2B5EF4-FFF2-40B4-BE49-F238E27FC236}">
-                <a16:creationId xmlns:a16="http://schemas.microsoft.com/office/drawing/2014/main" id="{AB0FA877-B08C-44C0-8D24-DCDF1A5EF5A0}"/>
-              </a:ext>
-            </a:extLst>
-          </p:cNvPr>
+            <a:endParaRPr lang="en-US" dirty="0"/>
+          </a:p>
+        </p:txBody>
+      </p:sp>
+      <p:sp>
+        <p:nvSpPr>
+          <p:cNvPr id="5" name="Text Placeholder 4"/>
           <p:cNvSpPr>
             <a:spLocks noGrp="1"/>
           </p:cNvSpPr>
@@ -1674,8 +1484,8 @@
         </p:nvSpPr>
         <p:spPr>
           <a:xfrm>
-            <a:off x="6172200" y="1681163"/>
-            <a:ext cx="5183188" cy="823912"/>
+            <a:off x="12190095" y="1681163"/>
+            <a:ext cx="10236796" cy="823912"/>
           </a:xfrm>
         </p:spPr>
         <p:txBody>
@@ -1729,13 +1539,7 @@
       </p:sp>
       <p:sp>
         <p:nvSpPr>
-          <p:cNvPr id="6" name="Content Placeholder 5">
-            <a:extLst>
-              <a:ext uri="{FF2B5EF4-FFF2-40B4-BE49-F238E27FC236}">
-                <a16:creationId xmlns:a16="http://schemas.microsoft.com/office/drawing/2014/main" id="{1E736608-029C-49E8-9D7C-8EB9E4C41CC2}"/>
-              </a:ext>
-            </a:extLst>
-          </p:cNvPr>
+          <p:cNvPr id="6" name="Content Placeholder 5"/>
           <p:cNvSpPr>
             <a:spLocks noGrp="1"/>
           </p:cNvSpPr>
@@ -1745,8 +1549,8 @@
         </p:nvSpPr>
         <p:spPr>
           <a:xfrm>
-            <a:off x="6172200" y="2505075"/>
-            <a:ext cx="5183188" cy="3684588"/>
+            <a:off x="12190095" y="2505075"/>
+            <a:ext cx="10236796" cy="3684588"/>
           </a:xfrm>
         </p:spPr>
         <p:txBody>
@@ -1786,18 +1590,13 @@
               <a:rPr lang="en-US"/>
               <a:t>Fifth level</a:t>
             </a:r>
-          </a:p>
-        </p:txBody>
-      </p:sp>
-      <p:sp>
-        <p:nvSpPr>
-          <p:cNvPr id="7" name="Date Placeholder 6">
-            <a:extLst>
-              <a:ext uri="{FF2B5EF4-FFF2-40B4-BE49-F238E27FC236}">
-                <a16:creationId xmlns:a16="http://schemas.microsoft.com/office/drawing/2014/main" id="{CE13A0E9-05EB-4087-B276-F397CA4E525D}"/>
-              </a:ext>
-            </a:extLst>
-          </p:cNvPr>
+            <a:endParaRPr lang="en-US" dirty="0"/>
+          </a:p>
+        </p:txBody>
+      </p:sp>
+      <p:sp>
+        <p:nvSpPr>
+          <p:cNvPr id="7" name="Date Placeholder 6"/>
           <p:cNvSpPr>
             <a:spLocks noGrp="1"/>
           </p:cNvSpPr>
@@ -1820,13 +1619,7 @@
       </p:sp>
       <p:sp>
         <p:nvSpPr>
-          <p:cNvPr id="8" name="Footer Placeholder 7">
-            <a:extLst>
-              <a:ext uri="{FF2B5EF4-FFF2-40B4-BE49-F238E27FC236}">
-                <a16:creationId xmlns:a16="http://schemas.microsoft.com/office/drawing/2014/main" id="{94AE69E6-8AEC-47A5-8DBA-289E016FF533}"/>
-              </a:ext>
-            </a:extLst>
-          </p:cNvPr>
+          <p:cNvPr id="8" name="Footer Placeholder 7"/>
           <p:cNvSpPr>
             <a:spLocks noGrp="1"/>
           </p:cNvSpPr>
@@ -1845,13 +1638,7 @@
       </p:sp>
       <p:sp>
         <p:nvSpPr>
-          <p:cNvPr id="9" name="Slide Number Placeholder 8">
-            <a:extLst>
-              <a:ext uri="{FF2B5EF4-FFF2-40B4-BE49-F238E27FC236}">
-                <a16:creationId xmlns:a16="http://schemas.microsoft.com/office/drawing/2014/main" id="{5806EED2-2BDA-4D3B-A6FF-464ECBF37AA6}"/>
-              </a:ext>
-            </a:extLst>
-          </p:cNvPr>
+          <p:cNvPr id="9" name="Slide Number Placeholder 8"/>
           <p:cNvSpPr>
             <a:spLocks noGrp="1"/>
           </p:cNvSpPr>
@@ -1875,7 +1662,7 @@
     </p:spTree>
     <p:extLst>
       <p:ext uri="{BB962C8B-B14F-4D97-AF65-F5344CB8AC3E}">
-        <p14:creationId xmlns:p14="http://schemas.microsoft.com/office/powerpoint/2010/main" val="1686969539"/>
+        <p14:creationId xmlns:p14="http://schemas.microsoft.com/office/powerpoint/2010/main" val="3848319792"/>
       </p:ext>
     </p:extLst>
   </p:cSld>
@@ -1904,13 +1691,7 @@
       </p:grpSpPr>
       <p:sp>
         <p:nvSpPr>
-          <p:cNvPr id="2" name="Title 1">
-            <a:extLst>
-              <a:ext uri="{FF2B5EF4-FFF2-40B4-BE49-F238E27FC236}">
-                <a16:creationId xmlns:a16="http://schemas.microsoft.com/office/drawing/2014/main" id="{9C2B2944-7E19-4DD0-A423-AE374EC1E190}"/>
-              </a:ext>
-            </a:extLst>
-          </p:cNvPr>
+          <p:cNvPr id="2" name="Title 1"/>
           <p:cNvSpPr>
             <a:spLocks noGrp="1"/>
           </p:cNvSpPr>
@@ -1927,18 +1708,13 @@
               <a:rPr lang="en-US"/>
               <a:t>Click to edit Master title style</a:t>
             </a:r>
-          </a:p>
-        </p:txBody>
-      </p:sp>
-      <p:sp>
-        <p:nvSpPr>
-          <p:cNvPr id="3" name="Date Placeholder 2">
-            <a:extLst>
-              <a:ext uri="{FF2B5EF4-FFF2-40B4-BE49-F238E27FC236}">
-                <a16:creationId xmlns:a16="http://schemas.microsoft.com/office/drawing/2014/main" id="{0E044109-5B78-4A7B-8E5C-DA449E740C62}"/>
-              </a:ext>
-            </a:extLst>
-          </p:cNvPr>
+            <a:endParaRPr lang="en-US" dirty="0"/>
+          </a:p>
+        </p:txBody>
+      </p:sp>
+      <p:sp>
+        <p:nvSpPr>
+          <p:cNvPr id="3" name="Date Placeholder 2"/>
           <p:cNvSpPr>
             <a:spLocks noGrp="1"/>
           </p:cNvSpPr>
@@ -1961,13 +1737,7 @@
       </p:sp>
       <p:sp>
         <p:nvSpPr>
-          <p:cNvPr id="4" name="Footer Placeholder 3">
-            <a:extLst>
-              <a:ext uri="{FF2B5EF4-FFF2-40B4-BE49-F238E27FC236}">
-                <a16:creationId xmlns:a16="http://schemas.microsoft.com/office/drawing/2014/main" id="{13954206-D8B3-4796-8094-797DE4796D0C}"/>
-              </a:ext>
-            </a:extLst>
-          </p:cNvPr>
+          <p:cNvPr id="4" name="Footer Placeholder 3"/>
           <p:cNvSpPr>
             <a:spLocks noGrp="1"/>
           </p:cNvSpPr>
@@ -1986,13 +1756,7 @@
       </p:sp>
       <p:sp>
         <p:nvSpPr>
-          <p:cNvPr id="5" name="Slide Number Placeholder 4">
-            <a:extLst>
-              <a:ext uri="{FF2B5EF4-FFF2-40B4-BE49-F238E27FC236}">
-                <a16:creationId xmlns:a16="http://schemas.microsoft.com/office/drawing/2014/main" id="{E14E131A-A94A-4124-8EBB-D1BCAAFB83CA}"/>
-              </a:ext>
-            </a:extLst>
-          </p:cNvPr>
+          <p:cNvPr id="5" name="Slide Number Placeholder 4"/>
           <p:cNvSpPr>
             <a:spLocks noGrp="1"/>
           </p:cNvSpPr>
@@ -2016,7 +1780,7 @@
     </p:spTree>
     <p:extLst>
       <p:ext uri="{BB962C8B-B14F-4D97-AF65-F5344CB8AC3E}">
-        <p14:creationId xmlns:p14="http://schemas.microsoft.com/office/powerpoint/2010/main" val="2530789440"/>
+        <p14:creationId xmlns:p14="http://schemas.microsoft.com/office/powerpoint/2010/main" val="1967428457"/>
       </p:ext>
     </p:extLst>
   </p:cSld>
@@ -2045,13 +1809,7 @@
       </p:grpSpPr>
       <p:sp>
         <p:nvSpPr>
-          <p:cNvPr id="2" name="Date Placeholder 1">
-            <a:extLst>
-              <a:ext uri="{FF2B5EF4-FFF2-40B4-BE49-F238E27FC236}">
-                <a16:creationId xmlns:a16="http://schemas.microsoft.com/office/drawing/2014/main" id="{5352492D-EF6D-4D9D-A41E-637DE2680F4A}"/>
-              </a:ext>
-            </a:extLst>
-          </p:cNvPr>
+          <p:cNvPr id="2" name="Date Placeholder 1"/>
           <p:cNvSpPr>
             <a:spLocks noGrp="1"/>
           </p:cNvSpPr>
@@ -2074,13 +1832,7 @@
       </p:sp>
       <p:sp>
         <p:nvSpPr>
-          <p:cNvPr id="3" name="Footer Placeholder 2">
-            <a:extLst>
-              <a:ext uri="{FF2B5EF4-FFF2-40B4-BE49-F238E27FC236}">
-                <a16:creationId xmlns:a16="http://schemas.microsoft.com/office/drawing/2014/main" id="{16B5B129-2169-4C93-B2E5-7BBDFF71AC83}"/>
-              </a:ext>
-            </a:extLst>
-          </p:cNvPr>
+          <p:cNvPr id="3" name="Footer Placeholder 2"/>
           <p:cNvSpPr>
             <a:spLocks noGrp="1"/>
           </p:cNvSpPr>
@@ -2099,13 +1851,7 @@
       </p:sp>
       <p:sp>
         <p:nvSpPr>
-          <p:cNvPr id="4" name="Slide Number Placeholder 3">
-            <a:extLst>
-              <a:ext uri="{FF2B5EF4-FFF2-40B4-BE49-F238E27FC236}">
-                <a16:creationId xmlns:a16="http://schemas.microsoft.com/office/drawing/2014/main" id="{9E32C2F1-30D3-4BB7-BA1C-BFFAE022AE48}"/>
-              </a:ext>
-            </a:extLst>
-          </p:cNvPr>
+          <p:cNvPr id="4" name="Slide Number Placeholder 3"/>
           <p:cNvSpPr>
             <a:spLocks noGrp="1"/>
           </p:cNvSpPr>
@@ -2129,7 +1875,7 @@
     </p:spTree>
     <p:extLst>
       <p:ext uri="{BB962C8B-B14F-4D97-AF65-F5344CB8AC3E}">
-        <p14:creationId xmlns:p14="http://schemas.microsoft.com/office/powerpoint/2010/main" val="1030485393"/>
+        <p14:creationId xmlns:p14="http://schemas.microsoft.com/office/powerpoint/2010/main" val="1433674870"/>
       </p:ext>
     </p:extLst>
   </p:cSld>
@@ -2158,13 +1904,7 @@
       </p:grpSpPr>
       <p:sp>
         <p:nvSpPr>
-          <p:cNvPr id="2" name="Title 1">
-            <a:extLst>
-              <a:ext uri="{FF2B5EF4-FFF2-40B4-BE49-F238E27FC236}">
-                <a16:creationId xmlns:a16="http://schemas.microsoft.com/office/drawing/2014/main" id="{1C24EF66-9338-4356-8E08-4A5C14A497B5}"/>
-              </a:ext>
-            </a:extLst>
-          </p:cNvPr>
+          <p:cNvPr id="2" name="Title 1"/>
           <p:cNvSpPr>
             <a:spLocks noGrp="1"/>
           </p:cNvSpPr>
@@ -2174,8 +1914,8 @@
         </p:nvSpPr>
         <p:spPr>
           <a:xfrm>
-            <a:off x="839788" y="457200"/>
-            <a:ext cx="3932237" cy="1600200"/>
+            <a:off x="1658582" y="457200"/>
+            <a:ext cx="7766168" cy="1600200"/>
           </a:xfrm>
         </p:spPr>
         <p:txBody>
@@ -2190,18 +1930,13 @@
               <a:rPr lang="en-US"/>
               <a:t>Click to edit Master title style</a:t>
             </a:r>
-          </a:p>
-        </p:txBody>
-      </p:sp>
-      <p:sp>
-        <p:nvSpPr>
-          <p:cNvPr id="3" name="Content Placeholder 2">
-            <a:extLst>
-              <a:ext uri="{FF2B5EF4-FFF2-40B4-BE49-F238E27FC236}">
-                <a16:creationId xmlns:a16="http://schemas.microsoft.com/office/drawing/2014/main" id="{194C2C42-B657-4D06-B39D-BE0071FD68B7}"/>
-              </a:ext>
-            </a:extLst>
-          </p:cNvPr>
+            <a:endParaRPr lang="en-US" dirty="0"/>
+          </a:p>
+        </p:txBody>
+      </p:sp>
+      <p:sp>
+        <p:nvSpPr>
+          <p:cNvPr id="3" name="Content Placeholder 2"/>
           <p:cNvSpPr>
             <a:spLocks noGrp="1"/>
           </p:cNvSpPr>
@@ -2211,8 +1946,8 @@
         </p:nvSpPr>
         <p:spPr>
           <a:xfrm>
-            <a:off x="5183188" y="987425"/>
-            <a:ext cx="6172200" cy="4873625"/>
+            <a:off x="10236796" y="987426"/>
+            <a:ext cx="12190095" cy="4873625"/>
           </a:xfrm>
         </p:spPr>
         <p:txBody>
@@ -2280,18 +2015,13 @@
               <a:rPr lang="en-US"/>
               <a:t>Fifth level</a:t>
             </a:r>
-          </a:p>
-        </p:txBody>
-      </p:sp>
-      <p:sp>
-        <p:nvSpPr>
-          <p:cNvPr id="4" name="Text Placeholder 3">
-            <a:extLst>
-              <a:ext uri="{FF2B5EF4-FFF2-40B4-BE49-F238E27FC236}">
-                <a16:creationId xmlns:a16="http://schemas.microsoft.com/office/drawing/2014/main" id="{D294C200-F797-4E48-81ED-BE9306D9D34F}"/>
-              </a:ext>
-            </a:extLst>
-          </p:cNvPr>
+            <a:endParaRPr lang="en-US" dirty="0"/>
+          </a:p>
+        </p:txBody>
+      </p:sp>
+      <p:sp>
+        <p:nvSpPr>
+          <p:cNvPr id="4" name="Text Placeholder 3"/>
           <p:cNvSpPr>
             <a:spLocks noGrp="1"/>
           </p:cNvSpPr>
@@ -2301,8 +2031,8 @@
         </p:nvSpPr>
         <p:spPr>
           <a:xfrm>
-            <a:off x="839788" y="2057400"/>
-            <a:ext cx="3932237" cy="3811588"/>
+            <a:off x="1658582" y="2057400"/>
+            <a:ext cx="7766168" cy="3811588"/>
           </a:xfrm>
         </p:spPr>
         <p:txBody>
@@ -2356,13 +2086,7 @@
       </p:sp>
       <p:sp>
         <p:nvSpPr>
-          <p:cNvPr id="5" name="Date Placeholder 4">
-            <a:extLst>
-              <a:ext uri="{FF2B5EF4-FFF2-40B4-BE49-F238E27FC236}">
-                <a16:creationId xmlns:a16="http://schemas.microsoft.com/office/drawing/2014/main" id="{37DB2B37-2B5F-4050-B0AC-62A707C2B2AD}"/>
-              </a:ext>
-            </a:extLst>
-          </p:cNvPr>
+          <p:cNvPr id="5" name="Date Placeholder 4"/>
           <p:cNvSpPr>
             <a:spLocks noGrp="1"/>
           </p:cNvSpPr>
@@ -2385,13 +2109,7 @@
       </p:sp>
       <p:sp>
         <p:nvSpPr>
-          <p:cNvPr id="6" name="Footer Placeholder 5">
-            <a:extLst>
-              <a:ext uri="{FF2B5EF4-FFF2-40B4-BE49-F238E27FC236}">
-                <a16:creationId xmlns:a16="http://schemas.microsoft.com/office/drawing/2014/main" id="{1FD3C5AE-6915-4F29-96B5-8B34EAB3A026}"/>
-              </a:ext>
-            </a:extLst>
-          </p:cNvPr>
+          <p:cNvPr id="6" name="Footer Placeholder 5"/>
           <p:cNvSpPr>
             <a:spLocks noGrp="1"/>
           </p:cNvSpPr>
@@ -2410,13 +2128,7 @@
       </p:sp>
       <p:sp>
         <p:nvSpPr>
-          <p:cNvPr id="7" name="Slide Number Placeholder 6">
-            <a:extLst>
-              <a:ext uri="{FF2B5EF4-FFF2-40B4-BE49-F238E27FC236}">
-                <a16:creationId xmlns:a16="http://schemas.microsoft.com/office/drawing/2014/main" id="{6B5C6181-B79A-48B0-BA89-D5D9D573F497}"/>
-              </a:ext>
-            </a:extLst>
-          </p:cNvPr>
+          <p:cNvPr id="7" name="Slide Number Placeholder 6"/>
           <p:cNvSpPr>
             <a:spLocks noGrp="1"/>
           </p:cNvSpPr>
@@ -2440,7 +2152,7 @@
     </p:spTree>
     <p:extLst>
       <p:ext uri="{BB962C8B-B14F-4D97-AF65-F5344CB8AC3E}">
-        <p14:creationId xmlns:p14="http://schemas.microsoft.com/office/powerpoint/2010/main" val="1022283814"/>
+        <p14:creationId xmlns:p14="http://schemas.microsoft.com/office/powerpoint/2010/main" val="3051556791"/>
       </p:ext>
     </p:extLst>
   </p:cSld>
@@ -2469,13 +2181,7 @@
       </p:grpSpPr>
       <p:sp>
         <p:nvSpPr>
-          <p:cNvPr id="2" name="Title 1">
-            <a:extLst>
-              <a:ext uri="{FF2B5EF4-FFF2-40B4-BE49-F238E27FC236}">
-                <a16:creationId xmlns:a16="http://schemas.microsoft.com/office/drawing/2014/main" id="{C642692E-1025-46F3-9A5E-A375A774683C}"/>
-              </a:ext>
-            </a:extLst>
-          </p:cNvPr>
+          <p:cNvPr id="2" name="Title 1"/>
           <p:cNvSpPr>
             <a:spLocks noGrp="1"/>
           </p:cNvSpPr>
@@ -2485,8 +2191,8 @@
         </p:nvSpPr>
         <p:spPr>
           <a:xfrm>
-            <a:off x="839788" y="457200"/>
-            <a:ext cx="3932237" cy="1600200"/>
+            <a:off x="1658582" y="457200"/>
+            <a:ext cx="7766168" cy="1600200"/>
           </a:xfrm>
         </p:spPr>
         <p:txBody>
@@ -2501,20 +2207,15 @@
               <a:rPr lang="en-US"/>
               <a:t>Click to edit Master title style</a:t>
             </a:r>
-          </a:p>
-        </p:txBody>
-      </p:sp>
-      <p:sp>
-        <p:nvSpPr>
-          <p:cNvPr id="3" name="Picture Placeholder 2">
-            <a:extLst>
-              <a:ext uri="{FF2B5EF4-FFF2-40B4-BE49-F238E27FC236}">
-                <a16:creationId xmlns:a16="http://schemas.microsoft.com/office/drawing/2014/main" id="{0B4C509E-736F-4160-B0B0-9987A09500A3}"/>
-              </a:ext>
-            </a:extLst>
-          </p:cNvPr>
-          <p:cNvSpPr>
-            <a:spLocks noGrp="1"/>
+            <a:endParaRPr lang="en-US" dirty="0"/>
+          </a:p>
+        </p:txBody>
+      </p:sp>
+      <p:sp>
+        <p:nvSpPr>
+          <p:cNvPr id="3" name="Picture Placeholder 2"/>
+          <p:cNvSpPr>
+            <a:spLocks noGrp="1" noChangeAspect="1"/>
           </p:cNvSpPr>
           <p:nvPr>
             <p:ph type="pic" idx="1"/>
@@ -2522,8 +2223,73 @@
         </p:nvSpPr>
         <p:spPr>
           <a:xfrm>
-            <a:off x="5183188" y="987425"/>
-            <a:ext cx="6172200" cy="4873625"/>
+            <a:off x="10236796" y="987426"/>
+            <a:ext cx="12190095" cy="4873625"/>
+          </a:xfrm>
+        </p:spPr>
+        <p:txBody>
+          <a:bodyPr anchor="t"/>
+          <a:lstStyle>
+            <a:lvl1pPr marL="0" indent="0">
+              <a:buNone/>
+              <a:defRPr sz="3200"/>
+            </a:lvl1pPr>
+            <a:lvl2pPr marL="457200" indent="0">
+              <a:buNone/>
+              <a:defRPr sz="2800"/>
+            </a:lvl2pPr>
+            <a:lvl3pPr marL="914400" indent="0">
+              <a:buNone/>
+              <a:defRPr sz="2400"/>
+            </a:lvl3pPr>
+            <a:lvl4pPr marL="1371600" indent="0">
+              <a:buNone/>
+              <a:defRPr sz="2000"/>
+            </a:lvl4pPr>
+            <a:lvl5pPr marL="1828800" indent="0">
+              <a:buNone/>
+              <a:defRPr sz="2000"/>
+            </a:lvl5pPr>
+            <a:lvl6pPr marL="2286000" indent="0">
+              <a:buNone/>
+              <a:defRPr sz="2000"/>
+            </a:lvl6pPr>
+            <a:lvl7pPr marL="2743200" indent="0">
+              <a:buNone/>
+              <a:defRPr sz="2000"/>
+            </a:lvl7pPr>
+            <a:lvl8pPr marL="3200400" indent="0">
+              <a:buNone/>
+              <a:defRPr sz="2000"/>
+            </a:lvl8pPr>
+            <a:lvl9pPr marL="3657600" indent="0">
+              <a:buNone/>
+              <a:defRPr sz="2000"/>
+            </a:lvl9pPr>
+          </a:lstStyle>
+          <a:p>
+            <a:r>
+              <a:rPr lang="en-US"/>
+              <a:t>Click icon to add picture</a:t>
+            </a:r>
+            <a:endParaRPr lang="en-US" dirty="0"/>
+          </a:p>
+        </p:txBody>
+      </p:sp>
+      <p:sp>
+        <p:nvSpPr>
+          <p:cNvPr id="4" name="Text Placeholder 3"/>
+          <p:cNvSpPr>
+            <a:spLocks noGrp="1"/>
+          </p:cNvSpPr>
+          <p:nvPr>
+            <p:ph type="body" sz="half" idx="2"/>
+          </p:nvPr>
+        </p:nvSpPr>
+        <p:spPr>
+          <a:xfrm>
+            <a:off x="1658582" y="2057400"/>
+            <a:ext cx="7766168" cy="3811588"/>
           </a:xfrm>
         </p:spPr>
         <p:txBody>
@@ -2531,73 +2297,6 @@
           <a:lstStyle>
             <a:lvl1pPr marL="0" indent="0">
               <a:buNone/>
-              <a:defRPr sz="3200"/>
-            </a:lvl1pPr>
-            <a:lvl2pPr marL="457200" indent="0">
-              <a:buNone/>
-              <a:defRPr sz="2800"/>
-            </a:lvl2pPr>
-            <a:lvl3pPr marL="914400" indent="0">
-              <a:buNone/>
-              <a:defRPr sz="2400"/>
-            </a:lvl3pPr>
-            <a:lvl4pPr marL="1371600" indent="0">
-              <a:buNone/>
-              <a:defRPr sz="2000"/>
-            </a:lvl4pPr>
-            <a:lvl5pPr marL="1828800" indent="0">
-              <a:buNone/>
-              <a:defRPr sz="2000"/>
-            </a:lvl5pPr>
-            <a:lvl6pPr marL="2286000" indent="0">
-              <a:buNone/>
-              <a:defRPr sz="2000"/>
-            </a:lvl6pPr>
-            <a:lvl7pPr marL="2743200" indent="0">
-              <a:buNone/>
-              <a:defRPr sz="2000"/>
-            </a:lvl7pPr>
-            <a:lvl8pPr marL="3200400" indent="0">
-              <a:buNone/>
-              <a:defRPr sz="2000"/>
-            </a:lvl8pPr>
-            <a:lvl9pPr marL="3657600" indent="0">
-              <a:buNone/>
-              <a:defRPr sz="2000"/>
-            </a:lvl9pPr>
-          </a:lstStyle>
-          <a:p>
-            <a:endParaRPr lang="en-US"/>
-          </a:p>
-        </p:txBody>
-      </p:sp>
-      <p:sp>
-        <p:nvSpPr>
-          <p:cNvPr id="4" name="Text Placeholder 3">
-            <a:extLst>
-              <a:ext uri="{FF2B5EF4-FFF2-40B4-BE49-F238E27FC236}">
-                <a16:creationId xmlns:a16="http://schemas.microsoft.com/office/drawing/2014/main" id="{EA46AC44-06C7-4637-8443-6700291BA827}"/>
-              </a:ext>
-            </a:extLst>
-          </p:cNvPr>
-          <p:cNvSpPr>
-            <a:spLocks noGrp="1"/>
-          </p:cNvSpPr>
-          <p:nvPr>
-            <p:ph type="body" sz="half" idx="2"/>
-          </p:nvPr>
-        </p:nvSpPr>
-        <p:spPr>
-          <a:xfrm>
-            <a:off x="839788" y="2057400"/>
-            <a:ext cx="3932237" cy="3811588"/>
-          </a:xfrm>
-        </p:spPr>
-        <p:txBody>
-          <a:bodyPr/>
-          <a:lstStyle>
-            <a:lvl1pPr marL="0" indent="0">
-              <a:buNone/>
               <a:defRPr sz="1600"/>
             </a:lvl1pPr>
             <a:lvl2pPr marL="457200" indent="0">
@@ -2644,13 +2343,7 @@
       </p:sp>
       <p:sp>
         <p:nvSpPr>
-          <p:cNvPr id="5" name="Date Placeholder 4">
-            <a:extLst>
-              <a:ext uri="{FF2B5EF4-FFF2-40B4-BE49-F238E27FC236}">
-                <a16:creationId xmlns:a16="http://schemas.microsoft.com/office/drawing/2014/main" id="{4788A737-021D-4FA0-A52B-CA6C30616B05}"/>
-              </a:ext>
-            </a:extLst>
-          </p:cNvPr>
+          <p:cNvPr id="5" name="Date Placeholder 4"/>
           <p:cNvSpPr>
             <a:spLocks noGrp="1"/>
           </p:cNvSpPr>
@@ -2673,13 +2366,7 @@
       </p:sp>
       <p:sp>
         <p:nvSpPr>
-          <p:cNvPr id="6" name="Footer Placeholder 5">
-            <a:extLst>
-              <a:ext uri="{FF2B5EF4-FFF2-40B4-BE49-F238E27FC236}">
-                <a16:creationId xmlns:a16="http://schemas.microsoft.com/office/drawing/2014/main" id="{0C0823A3-4EE8-4187-9E8A-93923D411735}"/>
-              </a:ext>
-            </a:extLst>
-          </p:cNvPr>
+          <p:cNvPr id="6" name="Footer Placeholder 5"/>
           <p:cNvSpPr>
             <a:spLocks noGrp="1"/>
           </p:cNvSpPr>
@@ -2698,13 +2385,7 @@
       </p:sp>
       <p:sp>
         <p:nvSpPr>
-          <p:cNvPr id="7" name="Slide Number Placeholder 6">
-            <a:extLst>
-              <a:ext uri="{FF2B5EF4-FFF2-40B4-BE49-F238E27FC236}">
-                <a16:creationId xmlns:a16="http://schemas.microsoft.com/office/drawing/2014/main" id="{75BF915F-B6BA-4485-AD19-DB5D30E18C86}"/>
-              </a:ext>
-            </a:extLst>
-          </p:cNvPr>
+          <p:cNvPr id="7" name="Slide Number Placeholder 6"/>
           <p:cNvSpPr>
             <a:spLocks noGrp="1"/>
           </p:cNvSpPr>
@@ -2728,7 +2409,7 @@
     </p:spTree>
     <p:extLst>
       <p:ext uri="{BB962C8B-B14F-4D97-AF65-F5344CB8AC3E}">
-        <p14:creationId xmlns:p14="http://schemas.microsoft.com/office/powerpoint/2010/main" val="437289620"/>
+        <p14:creationId xmlns:p14="http://schemas.microsoft.com/office/powerpoint/2010/main" val="3039199187"/>
       </p:ext>
     </p:extLst>
   </p:cSld>
@@ -2762,13 +2443,7 @@
       </p:grpSpPr>
       <p:sp>
         <p:nvSpPr>
-          <p:cNvPr id="2" name="Title Placeholder 1">
-            <a:extLst>
-              <a:ext uri="{FF2B5EF4-FFF2-40B4-BE49-F238E27FC236}">
-                <a16:creationId xmlns:a16="http://schemas.microsoft.com/office/drawing/2014/main" id="{20EE8F9F-4918-48B0-B4C4-2E6153A484D5}"/>
-              </a:ext>
-            </a:extLst>
-          </p:cNvPr>
+          <p:cNvPr id="2" name="Title Placeholder 1"/>
           <p:cNvSpPr>
             <a:spLocks noGrp="1"/>
           </p:cNvSpPr>
@@ -2778,8 +2453,8 @@
         </p:nvSpPr>
         <p:spPr>
           <a:xfrm>
-            <a:off x="838200" y="365125"/>
-            <a:ext cx="10515600" cy="1325563"/>
+            <a:off x="1655445" y="365126"/>
+            <a:ext cx="20768310" cy="1325563"/>
           </a:xfrm>
           <a:prstGeom prst="rect">
             <a:avLst/>
@@ -2795,18 +2470,13 @@
               <a:rPr lang="en-US"/>
               <a:t>Click to edit Master title style</a:t>
             </a:r>
-          </a:p>
-        </p:txBody>
-      </p:sp>
-      <p:sp>
-        <p:nvSpPr>
-          <p:cNvPr id="3" name="Text Placeholder 2">
-            <a:extLst>
-              <a:ext uri="{FF2B5EF4-FFF2-40B4-BE49-F238E27FC236}">
-                <a16:creationId xmlns:a16="http://schemas.microsoft.com/office/drawing/2014/main" id="{4046B4D6-92E0-4E00-A9D1-F9CE4DB13CE8}"/>
-              </a:ext>
-            </a:extLst>
-          </p:cNvPr>
+            <a:endParaRPr lang="en-US" dirty="0"/>
+          </a:p>
+        </p:txBody>
+      </p:sp>
+      <p:sp>
+        <p:nvSpPr>
+          <p:cNvPr id="3" name="Text Placeholder 2"/>
           <p:cNvSpPr>
             <a:spLocks noGrp="1"/>
           </p:cNvSpPr>
@@ -2816,8 +2486,8 @@
         </p:nvSpPr>
         <p:spPr>
           <a:xfrm>
-            <a:off x="838200" y="1825625"/>
-            <a:ext cx="10515600" cy="4351338"/>
+            <a:off x="1655445" y="1825625"/>
+            <a:ext cx="20768310" cy="4351338"/>
           </a:xfrm>
           <a:prstGeom prst="rect">
             <a:avLst/>
@@ -2862,18 +2532,13 @@
               <a:rPr lang="en-US"/>
               <a:t>Fifth level</a:t>
             </a:r>
-          </a:p>
-        </p:txBody>
-      </p:sp>
-      <p:sp>
-        <p:nvSpPr>
-          <p:cNvPr id="4" name="Date Placeholder 3">
-            <a:extLst>
-              <a:ext uri="{FF2B5EF4-FFF2-40B4-BE49-F238E27FC236}">
-                <a16:creationId xmlns:a16="http://schemas.microsoft.com/office/drawing/2014/main" id="{CF652331-6CD8-48F8-BD19-AB00460C3671}"/>
-              </a:ext>
-            </a:extLst>
-          </p:cNvPr>
+            <a:endParaRPr lang="en-US" dirty="0"/>
+          </a:p>
+        </p:txBody>
+      </p:sp>
+      <p:sp>
+        <p:nvSpPr>
+          <p:cNvPr id="4" name="Date Placeholder 3"/>
           <p:cNvSpPr>
             <a:spLocks noGrp="1"/>
           </p:cNvSpPr>
@@ -2883,8 +2548,8 @@
         </p:nvSpPr>
         <p:spPr>
           <a:xfrm>
-            <a:off x="838200" y="6356350"/>
-            <a:ext cx="2743200" cy="365125"/>
+            <a:off x="1655445" y="6356351"/>
+            <a:ext cx="5417820" cy="365125"/>
           </a:xfrm>
           <a:prstGeom prst="rect">
             <a:avLst/>
@@ -2914,13 +2579,7 @@
       </p:sp>
       <p:sp>
         <p:nvSpPr>
-          <p:cNvPr id="5" name="Footer Placeholder 4">
-            <a:extLst>
-              <a:ext uri="{FF2B5EF4-FFF2-40B4-BE49-F238E27FC236}">
-                <a16:creationId xmlns:a16="http://schemas.microsoft.com/office/drawing/2014/main" id="{A3470313-5BD9-4FDB-825C-B3B2D87324CB}"/>
-              </a:ext>
-            </a:extLst>
-          </p:cNvPr>
+          <p:cNvPr id="5" name="Footer Placeholder 4"/>
           <p:cNvSpPr>
             <a:spLocks noGrp="1"/>
           </p:cNvSpPr>
@@ -2930,8 +2589,8 @@
         </p:nvSpPr>
         <p:spPr>
           <a:xfrm>
-            <a:off x="4038600" y="6356350"/>
-            <a:ext cx="4114800" cy="365125"/>
+            <a:off x="7976235" y="6356351"/>
+            <a:ext cx="8126730" cy="365125"/>
           </a:xfrm>
           <a:prstGeom prst="rect">
             <a:avLst/>
@@ -2957,13 +2616,7 @@
       </p:sp>
       <p:sp>
         <p:nvSpPr>
-          <p:cNvPr id="6" name="Slide Number Placeholder 5">
-            <a:extLst>
-              <a:ext uri="{FF2B5EF4-FFF2-40B4-BE49-F238E27FC236}">
-                <a16:creationId xmlns:a16="http://schemas.microsoft.com/office/drawing/2014/main" id="{31446E5F-C334-4D21-8D46-7EF0CDBD4DD8}"/>
-              </a:ext>
-            </a:extLst>
-          </p:cNvPr>
+          <p:cNvPr id="6" name="Slide Number Placeholder 5"/>
           <p:cNvSpPr>
             <a:spLocks noGrp="1"/>
           </p:cNvSpPr>
@@ -2973,8 +2626,8 @@
         </p:nvSpPr>
         <p:spPr>
           <a:xfrm>
-            <a:off x="8610600" y="6356350"/>
-            <a:ext cx="2743200" cy="365125"/>
+            <a:off x="17005935" y="6356351"/>
+            <a:ext cx="5417820" cy="365125"/>
           </a:xfrm>
           <a:prstGeom prst="rect">
             <a:avLst/>
@@ -3005,23 +2658,23 @@
     </p:spTree>
     <p:extLst>
       <p:ext uri="{BB962C8B-B14F-4D97-AF65-F5344CB8AC3E}">
-        <p14:creationId xmlns:p14="http://schemas.microsoft.com/office/powerpoint/2010/main" val="409339534"/>
+        <p14:creationId xmlns:p14="http://schemas.microsoft.com/office/powerpoint/2010/main" val="4009526786"/>
       </p:ext>
     </p:extLst>
   </p:cSld>
   <p:clrMap bg1="lt1" tx1="dk1" bg2="lt2" tx2="dk2" accent1="accent1" accent2="accent2" accent3="accent3" accent4="accent4" accent5="accent5" accent6="accent6" hlink="hlink" folHlink="folHlink"/>
   <p:sldLayoutIdLst>
-    <p:sldLayoutId id="2147483649" r:id="rId1"/>
-    <p:sldLayoutId id="2147483650" r:id="rId2"/>
-    <p:sldLayoutId id="2147483651" r:id="rId3"/>
-    <p:sldLayoutId id="2147483652" r:id="rId4"/>
-    <p:sldLayoutId id="2147483653" r:id="rId5"/>
-    <p:sldLayoutId id="2147483654" r:id="rId6"/>
-    <p:sldLayoutId id="2147483655" r:id="rId7"/>
-    <p:sldLayoutId id="2147483656" r:id="rId8"/>
-    <p:sldLayoutId id="2147483657" r:id="rId9"/>
-    <p:sldLayoutId id="2147483658" r:id="rId10"/>
-    <p:sldLayoutId id="2147483659" r:id="rId11"/>
+    <p:sldLayoutId id="2147483661" r:id="rId1"/>
+    <p:sldLayoutId id="2147483662" r:id="rId2"/>
+    <p:sldLayoutId id="2147483663" r:id="rId3"/>
+    <p:sldLayoutId id="2147483664" r:id="rId4"/>
+    <p:sldLayoutId id="2147483665" r:id="rId5"/>
+    <p:sldLayoutId id="2147483666" r:id="rId6"/>
+    <p:sldLayoutId id="2147483667" r:id="rId7"/>
+    <p:sldLayoutId id="2147483668" r:id="rId8"/>
+    <p:sldLayoutId id="2147483669" r:id="rId9"/>
+    <p:sldLayoutId id="2147483670" r:id="rId10"/>
+    <p:sldLayoutId id="2147483671" r:id="rId11"/>
   </p:sldLayoutIdLst>
   <p:txStyles>
     <p:titleStyle>
@@ -3337,7 +2990,7 @@
         </p:nvSpPr>
         <p:spPr>
           <a:xfrm>
-            <a:off x="2736980" y="2158482"/>
+            <a:off x="8680580" y="2158482"/>
             <a:ext cx="5834742" cy="342122"/>
           </a:xfrm>
           <a:prstGeom prst="roundRect">
@@ -3383,7 +3036,7 @@
         </p:nvSpPr>
         <p:spPr>
           <a:xfrm>
-            <a:off x="2967135" y="2562809"/>
+            <a:off x="8910735" y="2562810"/>
             <a:ext cx="622040" cy="2668555"/>
           </a:xfrm>
           <a:prstGeom prst="rect">
@@ -3429,7 +3082,7 @@
         </p:nvSpPr>
         <p:spPr>
           <a:xfrm>
-            <a:off x="7688425" y="2562809"/>
+            <a:off x="13632025" y="2562810"/>
             <a:ext cx="622040" cy="2668555"/>
           </a:xfrm>
           <a:prstGeom prst="rect">
@@ -3475,7 +3128,7 @@
         </p:nvSpPr>
         <p:spPr>
           <a:xfrm>
-            <a:off x="1577011" y="3508311"/>
+            <a:off x="7520611" y="3508312"/>
             <a:ext cx="1390124" cy="1200329"/>
           </a:xfrm>
           <a:prstGeom prst="rect">
@@ -3510,7 +3163,7 @@
         </p:nvSpPr>
         <p:spPr>
           <a:xfrm>
-            <a:off x="6298301" y="3508310"/>
+            <a:off x="12241901" y="3508311"/>
             <a:ext cx="1390124" cy="1200329"/>
           </a:xfrm>
           <a:prstGeom prst="rect">
@@ -3545,7 +3198,7 @@
         </p:nvSpPr>
         <p:spPr>
           <a:xfrm>
-            <a:off x="3589175" y="927050"/>
+            <a:off x="9532775" y="927051"/>
             <a:ext cx="494046" cy="1200329"/>
           </a:xfrm>
           <a:prstGeom prst="rect">
@@ -3580,7 +3233,7 @@
         </p:nvSpPr>
         <p:spPr>
           <a:xfrm>
-            <a:off x="2749421" y="5287349"/>
+            <a:off x="8693021" y="5287349"/>
             <a:ext cx="5834742" cy="342122"/>
           </a:xfrm>
           <a:prstGeom prst="roundRect">
@@ -3629,7 +3282,7 @@
         </p:nvSpPr>
         <p:spPr>
           <a:xfrm>
-            <a:off x="3526971" y="5458410"/>
+            <a:off x="9470571" y="5458411"/>
             <a:ext cx="670376" cy="1200329"/>
           </a:xfrm>
           <a:prstGeom prst="rect">
@@ -3694,7 +3347,7 @@
         </p:nvSpPr>
         <p:spPr>
           <a:xfrm rot="20925384">
-            <a:off x="2736980" y="1542664"/>
+            <a:off x="8680580" y="1542664"/>
             <a:ext cx="5834742" cy="342122"/>
           </a:xfrm>
           <a:prstGeom prst="roundRect">
@@ -3740,7 +3393,7 @@
         </p:nvSpPr>
         <p:spPr>
           <a:xfrm>
-            <a:off x="2967135" y="2562809"/>
+            <a:off x="8910735" y="2562810"/>
             <a:ext cx="622040" cy="2668555"/>
           </a:xfrm>
           <a:prstGeom prst="rect">
@@ -3786,7 +3439,7 @@
         </p:nvSpPr>
         <p:spPr>
           <a:xfrm>
-            <a:off x="7688425" y="1555103"/>
+            <a:off x="13632025" y="1555103"/>
             <a:ext cx="622040" cy="3676262"/>
           </a:xfrm>
           <a:prstGeom prst="rect">
@@ -3832,7 +3485,7 @@
         </p:nvSpPr>
         <p:spPr>
           <a:xfrm>
-            <a:off x="1577011" y="3508311"/>
+            <a:off x="7520611" y="3508312"/>
             <a:ext cx="1390124" cy="1200329"/>
           </a:xfrm>
           <a:prstGeom prst="rect">
@@ -3867,7 +3520,7 @@
         </p:nvSpPr>
         <p:spPr>
           <a:xfrm>
-            <a:off x="6298301" y="3508310"/>
+            <a:off x="12241901" y="3508311"/>
             <a:ext cx="1390124" cy="1200329"/>
           </a:xfrm>
           <a:prstGeom prst="rect">
@@ -3902,7 +3555,7 @@
         </p:nvSpPr>
         <p:spPr>
           <a:xfrm>
-            <a:off x="3645296" y="706079"/>
+            <a:off x="9588896" y="706080"/>
             <a:ext cx="494046" cy="1200329"/>
           </a:xfrm>
           <a:prstGeom prst="rect">
@@ -3937,7 +3590,7 @@
         </p:nvSpPr>
         <p:spPr>
           <a:xfrm>
-            <a:off x="2749421" y="5287349"/>
+            <a:off x="8693021" y="5287349"/>
             <a:ext cx="5834742" cy="342122"/>
           </a:xfrm>
           <a:prstGeom prst="roundRect">
@@ -3986,7 +3639,7 @@
         </p:nvSpPr>
         <p:spPr>
           <a:xfrm>
-            <a:off x="3526971" y="5458410"/>
+            <a:off x="9470571" y="5458411"/>
             <a:ext cx="670376" cy="1200329"/>
           </a:xfrm>
           <a:prstGeom prst="rect">
@@ -4051,7 +3704,7 @@
         </p:nvSpPr>
         <p:spPr>
           <a:xfrm rot="20925384">
-            <a:off x="2736980" y="1542664"/>
+            <a:off x="8680580" y="1542664"/>
             <a:ext cx="5834742" cy="342122"/>
           </a:xfrm>
           <a:prstGeom prst="roundRect">
@@ -4097,7 +3750,7 @@
         </p:nvSpPr>
         <p:spPr>
           <a:xfrm>
-            <a:off x="2967135" y="2562809"/>
+            <a:off x="8910735" y="2562810"/>
             <a:ext cx="622040" cy="2668555"/>
           </a:xfrm>
           <a:prstGeom prst="rect">
@@ -4143,7 +3796,7 @@
         </p:nvSpPr>
         <p:spPr>
           <a:xfrm>
-            <a:off x="7688425" y="1555103"/>
+            <a:off x="13632025" y="1555103"/>
             <a:ext cx="622040" cy="3676262"/>
           </a:xfrm>
           <a:prstGeom prst="rect">
@@ -4191,7 +3844,7 @@
         </p:nvCxnSpPr>
         <p:spPr>
           <a:xfrm flipV="1">
-            <a:off x="2251788" y="422988"/>
+            <a:off x="8195388" y="422989"/>
             <a:ext cx="9672734" cy="1959429"/>
           </a:xfrm>
           <a:prstGeom prst="line">
@@ -4232,7 +3885,7 @@
         </p:nvCxnSpPr>
         <p:spPr>
           <a:xfrm flipV="1">
-            <a:off x="2251788" y="2382417"/>
+            <a:off x="8195388" y="2382418"/>
             <a:ext cx="9672734" cy="1"/>
           </a:xfrm>
           <a:prstGeom prst="line">
@@ -4271,7 +3924,7 @@
         </p:nvSpPr>
         <p:spPr>
           <a:xfrm rot="1083378">
-            <a:off x="7857372" y="943557"/>
+            <a:off x="13800973" y="943558"/>
             <a:ext cx="2014189" cy="2212939"/>
           </a:xfrm>
           <a:prstGeom prst="arc">
@@ -4316,7 +3969,7 @@
         </p:nvSpPr>
         <p:spPr>
           <a:xfrm>
-            <a:off x="10120604" y="849697"/>
+            <a:off x="16064204" y="849698"/>
             <a:ext cx="708848" cy="1200329"/>
           </a:xfrm>
           <a:prstGeom prst="rect">
@@ -4352,7 +4005,7 @@
         </p:nvSpPr>
         <p:spPr>
           <a:xfrm>
-            <a:off x="1577011" y="3508311"/>
+            <a:off x="7520611" y="3508312"/>
             <a:ext cx="1390124" cy="1200329"/>
           </a:xfrm>
           <a:prstGeom prst="rect">
@@ -4387,7 +4040,7 @@
         </p:nvSpPr>
         <p:spPr>
           <a:xfrm>
-            <a:off x="6298301" y="3508310"/>
+            <a:off x="12241901" y="3508311"/>
             <a:ext cx="1390124" cy="1200329"/>
           </a:xfrm>
           <a:prstGeom prst="rect">
@@ -4422,7 +4075,7 @@
         </p:nvSpPr>
         <p:spPr>
           <a:xfrm>
-            <a:off x="3645296" y="706079"/>
+            <a:off x="9588896" y="706080"/>
             <a:ext cx="494046" cy="1200329"/>
           </a:xfrm>
           <a:prstGeom prst="rect">
@@ -4457,7 +4110,7 @@
         </p:nvSpPr>
         <p:spPr>
           <a:xfrm>
-            <a:off x="2749421" y="5287349"/>
+            <a:off x="8693021" y="5287349"/>
             <a:ext cx="5834742" cy="342122"/>
           </a:xfrm>
           <a:prstGeom prst="roundRect">
@@ -4506,7 +4159,7 @@
         </p:nvSpPr>
         <p:spPr>
           <a:xfrm>
-            <a:off x="3526971" y="5458410"/>
+            <a:off x="9470571" y="5458411"/>
             <a:ext cx="670376" cy="1200329"/>
           </a:xfrm>
           <a:prstGeom prst="rect">
@@ -4540,10 +4193,857 @@
 </p:sld>
 </file>
 
+<file path=ppt/slides/slide4.xml><?xml version="1.0" encoding="utf-8"?>
+<p:sld xmlns:a="http://schemas.openxmlformats.org/drawingml/2006/main" xmlns:r="http://schemas.openxmlformats.org/officeDocument/2006/relationships" xmlns:p="http://schemas.openxmlformats.org/presentationml/2006/main">
+  <p:cSld>
+    <p:spTree>
+      <p:nvGrpSpPr>
+        <p:cNvPr id="1" name=""/>
+        <p:cNvGrpSpPr/>
+        <p:nvPr/>
+      </p:nvGrpSpPr>
+      <p:grpSpPr>
+        <a:xfrm>
+          <a:off x="0" y="0"/>
+          <a:ext cx="0" cy="0"/>
+          <a:chOff x="0" y="0"/>
+          <a:chExt cx="0" cy="0"/>
+        </a:xfrm>
+      </p:grpSpPr>
+      <p:sp>
+        <p:nvSpPr>
+          <p:cNvPr id="4" name="Rectangle: Rounded Corners 3">
+            <a:extLst>
+              <a:ext uri="{FF2B5EF4-FFF2-40B4-BE49-F238E27FC236}">
+                <a16:creationId xmlns:a16="http://schemas.microsoft.com/office/drawing/2014/main" id="{FEBACCEE-4BE1-431A-8F53-093C3EBEA1F5}"/>
+              </a:ext>
+            </a:extLst>
+          </p:cNvPr>
+          <p:cNvSpPr/>
+          <p:nvPr/>
+        </p:nvSpPr>
+        <p:spPr>
+          <a:xfrm rot="20925384">
+            <a:off x="14259577" y="1577388"/>
+            <a:ext cx="5834742" cy="342122"/>
+          </a:xfrm>
+          <a:prstGeom prst="roundRect">
+            <a:avLst/>
+          </a:prstGeom>
+        </p:spPr>
+        <p:style>
+          <a:lnRef idx="2">
+            <a:schemeClr val="accent1">
+              <a:shade val="50000"/>
+            </a:schemeClr>
+          </a:lnRef>
+          <a:fillRef idx="1">
+            <a:schemeClr val="accent1"/>
+          </a:fillRef>
+          <a:effectRef idx="0">
+            <a:schemeClr val="accent1"/>
+          </a:effectRef>
+          <a:fontRef idx="minor">
+            <a:schemeClr val="lt1"/>
+          </a:fontRef>
+        </p:style>
+        <p:txBody>
+          <a:bodyPr rtlCol="0" anchor="ctr"/>
+          <a:lstStyle/>
+          <a:p>
+            <a:pPr algn="ctr"/>
+            <a:endParaRPr lang="en-US"/>
+          </a:p>
+        </p:txBody>
+      </p:sp>
+      <p:sp>
+        <p:nvSpPr>
+          <p:cNvPr id="5" name="Rectangle 4">
+            <a:extLst>
+              <a:ext uri="{FF2B5EF4-FFF2-40B4-BE49-F238E27FC236}">
+                <a16:creationId xmlns:a16="http://schemas.microsoft.com/office/drawing/2014/main" id="{FAFC38E6-A489-4392-A4D3-C2C5CD213AC2}"/>
+              </a:ext>
+            </a:extLst>
+          </p:cNvPr>
+          <p:cNvSpPr/>
+          <p:nvPr/>
+        </p:nvSpPr>
+        <p:spPr>
+          <a:xfrm>
+            <a:off x="14489732" y="2597534"/>
+            <a:ext cx="622040" cy="2668555"/>
+          </a:xfrm>
+          <a:prstGeom prst="rect">
+            <a:avLst/>
+          </a:prstGeom>
+        </p:spPr>
+        <p:style>
+          <a:lnRef idx="2">
+            <a:schemeClr val="accent1">
+              <a:shade val="50000"/>
+            </a:schemeClr>
+          </a:lnRef>
+          <a:fillRef idx="1">
+            <a:schemeClr val="accent1"/>
+          </a:fillRef>
+          <a:effectRef idx="0">
+            <a:schemeClr val="accent1"/>
+          </a:effectRef>
+          <a:fontRef idx="minor">
+            <a:schemeClr val="lt1"/>
+          </a:fontRef>
+        </p:style>
+        <p:txBody>
+          <a:bodyPr rtlCol="0" anchor="ctr"/>
+          <a:lstStyle/>
+          <a:p>
+            <a:pPr algn="ctr"/>
+            <a:endParaRPr lang="en-US"/>
+          </a:p>
+        </p:txBody>
+      </p:sp>
+      <p:sp>
+        <p:nvSpPr>
+          <p:cNvPr id="6" name="Rectangle 5">
+            <a:extLst>
+              <a:ext uri="{FF2B5EF4-FFF2-40B4-BE49-F238E27FC236}">
+                <a16:creationId xmlns:a16="http://schemas.microsoft.com/office/drawing/2014/main" id="{AE27029A-F1CB-45EF-881B-FFB31F6733B0}"/>
+              </a:ext>
+            </a:extLst>
+          </p:cNvPr>
+          <p:cNvSpPr/>
+          <p:nvPr/>
+        </p:nvSpPr>
+        <p:spPr>
+          <a:xfrm>
+            <a:off x="19211022" y="1589827"/>
+            <a:ext cx="622040" cy="3676262"/>
+          </a:xfrm>
+          <a:prstGeom prst="rect">
+            <a:avLst/>
+          </a:prstGeom>
+        </p:spPr>
+        <p:style>
+          <a:lnRef idx="2">
+            <a:schemeClr val="accent1">
+              <a:shade val="50000"/>
+            </a:schemeClr>
+          </a:lnRef>
+          <a:fillRef idx="1">
+            <a:schemeClr val="accent1"/>
+          </a:fillRef>
+          <a:effectRef idx="0">
+            <a:schemeClr val="accent1"/>
+          </a:effectRef>
+          <a:fontRef idx="minor">
+            <a:schemeClr val="lt1"/>
+          </a:fontRef>
+        </p:style>
+        <p:txBody>
+          <a:bodyPr rtlCol="0" anchor="ctr"/>
+          <a:lstStyle/>
+          <a:p>
+            <a:pPr algn="ctr"/>
+            <a:endParaRPr lang="en-US"/>
+          </a:p>
+        </p:txBody>
+      </p:sp>
+      <p:cxnSp>
+        <p:nvCxnSpPr>
+          <p:cNvPr id="3" name="Straight Connector 2">
+            <a:extLst>
+              <a:ext uri="{FF2B5EF4-FFF2-40B4-BE49-F238E27FC236}">
+                <a16:creationId xmlns:a16="http://schemas.microsoft.com/office/drawing/2014/main" id="{D0B41F14-E682-4A24-B9B9-9FDE6C3E8CF5}"/>
+              </a:ext>
+            </a:extLst>
+          </p:cNvPr>
+          <p:cNvCxnSpPr>
+            <a:cxnSpLocks/>
+          </p:cNvCxnSpPr>
+          <p:nvPr/>
+        </p:nvCxnSpPr>
+        <p:spPr>
+          <a:xfrm flipV="1">
+            <a:off x="13774385" y="457713"/>
+            <a:ext cx="9672734" cy="1959429"/>
+          </a:xfrm>
+          <a:prstGeom prst="line">
+            <a:avLst/>
+          </a:prstGeom>
+          <a:ln w="28575">
+            <a:prstDash val="sysDash"/>
+          </a:ln>
+        </p:spPr>
+        <p:style>
+          <a:lnRef idx="1">
+            <a:schemeClr val="accent1"/>
+          </a:lnRef>
+          <a:fillRef idx="0">
+            <a:schemeClr val="accent1"/>
+          </a:fillRef>
+          <a:effectRef idx="0">
+            <a:schemeClr val="accent1"/>
+          </a:effectRef>
+          <a:fontRef idx="minor">
+            <a:schemeClr val="tx1"/>
+          </a:fontRef>
+        </p:style>
+      </p:cxnSp>
+      <p:cxnSp>
+        <p:nvCxnSpPr>
+          <p:cNvPr id="9" name="Straight Connector 8">
+            <a:extLst>
+              <a:ext uri="{FF2B5EF4-FFF2-40B4-BE49-F238E27FC236}">
+                <a16:creationId xmlns:a16="http://schemas.microsoft.com/office/drawing/2014/main" id="{8C4BF76E-F551-42C0-BE00-2367A42CB239}"/>
+              </a:ext>
+            </a:extLst>
+          </p:cNvPr>
+          <p:cNvCxnSpPr>
+            <a:cxnSpLocks/>
+          </p:cNvCxnSpPr>
+          <p:nvPr/>
+        </p:nvCxnSpPr>
+        <p:spPr>
+          <a:xfrm flipV="1">
+            <a:off x="13774385" y="2417142"/>
+            <a:ext cx="9672734" cy="1"/>
+          </a:xfrm>
+          <a:prstGeom prst="line">
+            <a:avLst/>
+          </a:prstGeom>
+          <a:ln w="28575">
+            <a:prstDash val="sysDash"/>
+          </a:ln>
+        </p:spPr>
+        <p:style>
+          <a:lnRef idx="1">
+            <a:schemeClr val="accent1"/>
+          </a:lnRef>
+          <a:fillRef idx="0">
+            <a:schemeClr val="accent1"/>
+          </a:fillRef>
+          <a:effectRef idx="0">
+            <a:schemeClr val="accent1"/>
+          </a:effectRef>
+          <a:fontRef idx="minor">
+            <a:schemeClr val="tx1"/>
+          </a:fontRef>
+        </p:style>
+      </p:cxnSp>
+      <p:sp>
+        <p:nvSpPr>
+          <p:cNvPr id="11" name="Arc 10">
+            <a:extLst>
+              <a:ext uri="{FF2B5EF4-FFF2-40B4-BE49-F238E27FC236}">
+                <a16:creationId xmlns:a16="http://schemas.microsoft.com/office/drawing/2014/main" id="{BD40EF3C-B928-41D6-9374-606FA71AF658}"/>
+              </a:ext>
+            </a:extLst>
+          </p:cNvPr>
+          <p:cNvSpPr/>
+          <p:nvPr/>
+        </p:nvSpPr>
+        <p:spPr>
+          <a:xfrm rot="1083378">
+            <a:off x="19379970" y="978282"/>
+            <a:ext cx="2014189" cy="2212939"/>
+          </a:xfrm>
+          <a:prstGeom prst="arc">
+            <a:avLst/>
+          </a:prstGeom>
+          <a:ln w="57150"/>
+        </p:spPr>
+        <p:style>
+          <a:lnRef idx="1">
+            <a:schemeClr val="accent1"/>
+          </a:lnRef>
+          <a:fillRef idx="0">
+            <a:schemeClr val="accent1"/>
+          </a:fillRef>
+          <a:effectRef idx="0">
+            <a:schemeClr val="accent1"/>
+          </a:effectRef>
+          <a:fontRef idx="minor">
+            <a:schemeClr val="tx1"/>
+          </a:fontRef>
+        </p:style>
+        <p:txBody>
+          <a:bodyPr rtlCol="0" anchor="ctr"/>
+          <a:lstStyle/>
+          <a:p>
+            <a:pPr algn="ctr"/>
+            <a:endParaRPr lang="en-US" dirty="0"/>
+          </a:p>
+        </p:txBody>
+      </p:sp>
+      <p:sp>
+        <p:nvSpPr>
+          <p:cNvPr id="12" name="TextBox 11">
+            <a:extLst>
+              <a:ext uri="{FF2B5EF4-FFF2-40B4-BE49-F238E27FC236}">
+                <a16:creationId xmlns:a16="http://schemas.microsoft.com/office/drawing/2014/main" id="{49E79E30-C96E-4417-9AC8-3913719CB4F4}"/>
+              </a:ext>
+            </a:extLst>
+          </p:cNvPr>
+          <p:cNvSpPr txBox="1"/>
+          <p:nvPr/>
+        </p:nvSpPr>
+        <p:spPr>
+          <a:xfrm>
+            <a:off x="21643201" y="884422"/>
+            <a:ext cx="708848" cy="1200329"/>
+          </a:xfrm>
+          <a:prstGeom prst="rect">
+            <a:avLst/>
+          </a:prstGeom>
+          <a:noFill/>
+        </p:spPr>
+        <p:txBody>
+          <a:bodyPr wrap="none" rtlCol="0">
+            <a:spAutoFit/>
+          </a:bodyPr>
+          <a:lstStyle/>
+          <a:p>
+            <a:r>
+              <a:rPr lang="el-GR" sz="7200" dirty="0"/>
+              <a:t>α</a:t>
+            </a:r>
+            <a:endParaRPr lang="en-US" sz="7200" dirty="0"/>
+          </a:p>
+        </p:txBody>
+      </p:sp>
+      <p:sp>
+        <p:nvSpPr>
+          <p:cNvPr id="16" name="TextBox 15">
+            <a:extLst>
+              <a:ext uri="{FF2B5EF4-FFF2-40B4-BE49-F238E27FC236}">
+                <a16:creationId xmlns:a16="http://schemas.microsoft.com/office/drawing/2014/main" id="{9BD9B280-E2F5-485F-8D8B-43590F20DF56}"/>
+              </a:ext>
+            </a:extLst>
+          </p:cNvPr>
+          <p:cNvSpPr txBox="1"/>
+          <p:nvPr/>
+        </p:nvSpPr>
+        <p:spPr>
+          <a:xfrm>
+            <a:off x="13099608" y="3543036"/>
+            <a:ext cx="1390124" cy="1200329"/>
+          </a:xfrm>
+          <a:prstGeom prst="rect">
+            <a:avLst/>
+          </a:prstGeom>
+          <a:noFill/>
+        </p:spPr>
+        <p:txBody>
+          <a:bodyPr wrap="none" rtlCol="0">
+            <a:spAutoFit/>
+          </a:bodyPr>
+          <a:lstStyle/>
+          <a:p>
+            <a:r>
+              <a:rPr lang="en-US" sz="7200" dirty="0"/>
+              <a:t>m1</a:t>
+            </a:r>
+          </a:p>
+        </p:txBody>
+      </p:sp>
+      <p:sp>
+        <p:nvSpPr>
+          <p:cNvPr id="17" name="TextBox 16">
+            <a:extLst>
+              <a:ext uri="{FF2B5EF4-FFF2-40B4-BE49-F238E27FC236}">
+                <a16:creationId xmlns:a16="http://schemas.microsoft.com/office/drawing/2014/main" id="{C196247D-EA91-4539-9419-C7554C17B711}"/>
+              </a:ext>
+            </a:extLst>
+          </p:cNvPr>
+          <p:cNvSpPr txBox="1"/>
+          <p:nvPr/>
+        </p:nvSpPr>
+        <p:spPr>
+          <a:xfrm>
+            <a:off x="17820898" y="3543035"/>
+            <a:ext cx="1390124" cy="1200329"/>
+          </a:xfrm>
+          <a:prstGeom prst="rect">
+            <a:avLst/>
+          </a:prstGeom>
+          <a:noFill/>
+        </p:spPr>
+        <p:txBody>
+          <a:bodyPr wrap="none" rtlCol="0">
+            <a:spAutoFit/>
+          </a:bodyPr>
+          <a:lstStyle/>
+          <a:p>
+            <a:r>
+              <a:rPr lang="en-US" sz="7200" dirty="0"/>
+              <a:t>m2</a:t>
+            </a:r>
+          </a:p>
+        </p:txBody>
+      </p:sp>
+      <p:sp>
+        <p:nvSpPr>
+          <p:cNvPr id="18" name="TextBox 17">
+            <a:extLst>
+              <a:ext uri="{FF2B5EF4-FFF2-40B4-BE49-F238E27FC236}">
+                <a16:creationId xmlns:a16="http://schemas.microsoft.com/office/drawing/2014/main" id="{72E152F1-90CE-4677-A064-A05BB560F6D7}"/>
+              </a:ext>
+            </a:extLst>
+          </p:cNvPr>
+          <p:cNvSpPr txBox="1"/>
+          <p:nvPr/>
+        </p:nvSpPr>
+        <p:spPr>
+          <a:xfrm>
+            <a:off x="15167893" y="740804"/>
+            <a:ext cx="494046" cy="1200329"/>
+          </a:xfrm>
+          <a:prstGeom prst="rect">
+            <a:avLst/>
+          </a:prstGeom>
+          <a:noFill/>
+        </p:spPr>
+        <p:txBody>
+          <a:bodyPr wrap="none" rtlCol="0">
+            <a:spAutoFit/>
+          </a:bodyPr>
+          <a:lstStyle/>
+          <a:p>
+            <a:r>
+              <a:rPr lang="en-US" sz="7200" dirty="0"/>
+              <a:t>t</a:t>
+            </a:r>
+          </a:p>
+        </p:txBody>
+      </p:sp>
+      <p:sp>
+        <p:nvSpPr>
+          <p:cNvPr id="19" name="Rectangle: Rounded Corners 18">
+            <a:extLst>
+              <a:ext uri="{FF2B5EF4-FFF2-40B4-BE49-F238E27FC236}">
+                <a16:creationId xmlns:a16="http://schemas.microsoft.com/office/drawing/2014/main" id="{66A46E2F-517A-469D-8903-8D20D7D9BD3B}"/>
+              </a:ext>
+            </a:extLst>
+          </p:cNvPr>
+          <p:cNvSpPr/>
+          <p:nvPr/>
+        </p:nvSpPr>
+        <p:spPr>
+          <a:xfrm>
+            <a:off x="14272018" y="5322073"/>
+            <a:ext cx="5834742" cy="342122"/>
+          </a:xfrm>
+          <a:prstGeom prst="roundRect">
+            <a:avLst/>
+          </a:prstGeom>
+          <a:solidFill>
+            <a:schemeClr val="accent2"/>
+          </a:solidFill>
+        </p:spPr>
+        <p:style>
+          <a:lnRef idx="2">
+            <a:schemeClr val="accent1">
+              <a:shade val="50000"/>
+            </a:schemeClr>
+          </a:lnRef>
+          <a:fillRef idx="1">
+            <a:schemeClr val="accent1"/>
+          </a:fillRef>
+          <a:effectRef idx="0">
+            <a:schemeClr val="accent1"/>
+          </a:effectRef>
+          <a:fontRef idx="minor">
+            <a:schemeClr val="lt1"/>
+          </a:fontRef>
+        </p:style>
+        <p:txBody>
+          <a:bodyPr rtlCol="0" anchor="ctr"/>
+          <a:lstStyle/>
+          <a:p>
+            <a:pPr algn="ctr"/>
+            <a:endParaRPr lang="en-US"/>
+          </a:p>
+        </p:txBody>
+      </p:sp>
+      <p:sp>
+        <p:nvSpPr>
+          <p:cNvPr id="20" name="TextBox 19">
+            <a:extLst>
+              <a:ext uri="{FF2B5EF4-FFF2-40B4-BE49-F238E27FC236}">
+                <a16:creationId xmlns:a16="http://schemas.microsoft.com/office/drawing/2014/main" id="{226DF9EB-EE8C-468C-A45B-73B0E9940C71}"/>
+              </a:ext>
+            </a:extLst>
+          </p:cNvPr>
+          <p:cNvSpPr txBox="1"/>
+          <p:nvPr/>
+        </p:nvSpPr>
+        <p:spPr>
+          <a:xfrm>
+            <a:off x="15049568" y="5493135"/>
+            <a:ext cx="670376" cy="1200329"/>
+          </a:xfrm>
+          <a:prstGeom prst="rect">
+            <a:avLst/>
+          </a:prstGeom>
+          <a:noFill/>
+        </p:spPr>
+        <p:txBody>
+          <a:bodyPr wrap="none" rtlCol="0">
+            <a:spAutoFit/>
+          </a:bodyPr>
+          <a:lstStyle/>
+          <a:p>
+            <a:r>
+              <a:rPr lang="en-US" sz="7200" dirty="0"/>
+              <a:t>b</a:t>
+            </a:r>
+          </a:p>
+        </p:txBody>
+      </p:sp>
+      <p:sp>
+        <p:nvSpPr>
+          <p:cNvPr id="14" name="Rectangle: Rounded Corners 13">
+            <a:extLst>
+              <a:ext uri="{FF2B5EF4-FFF2-40B4-BE49-F238E27FC236}">
+                <a16:creationId xmlns:a16="http://schemas.microsoft.com/office/drawing/2014/main" id="{8FE4CAE7-7387-4F4A-B446-0DF66D0310AA}"/>
+              </a:ext>
+            </a:extLst>
+          </p:cNvPr>
+          <p:cNvSpPr/>
+          <p:nvPr/>
+        </p:nvSpPr>
+        <p:spPr>
+          <a:xfrm>
+            <a:off x="3969678" y="2158482"/>
+            <a:ext cx="5834742" cy="342122"/>
+          </a:xfrm>
+          <a:prstGeom prst="roundRect">
+            <a:avLst/>
+          </a:prstGeom>
+        </p:spPr>
+        <p:style>
+          <a:lnRef idx="2">
+            <a:schemeClr val="accent1">
+              <a:shade val="50000"/>
+            </a:schemeClr>
+          </a:lnRef>
+          <a:fillRef idx="1">
+            <a:schemeClr val="accent1"/>
+          </a:fillRef>
+          <a:effectRef idx="0">
+            <a:schemeClr val="accent1"/>
+          </a:effectRef>
+          <a:fontRef idx="minor">
+            <a:schemeClr val="lt1"/>
+          </a:fontRef>
+        </p:style>
+        <p:txBody>
+          <a:bodyPr rtlCol="0" anchor="ctr"/>
+          <a:lstStyle/>
+          <a:p>
+            <a:pPr algn="ctr"/>
+            <a:endParaRPr lang="en-US"/>
+          </a:p>
+        </p:txBody>
+      </p:sp>
+      <p:sp>
+        <p:nvSpPr>
+          <p:cNvPr id="15" name="Rectangle 14">
+            <a:extLst>
+              <a:ext uri="{FF2B5EF4-FFF2-40B4-BE49-F238E27FC236}">
+                <a16:creationId xmlns:a16="http://schemas.microsoft.com/office/drawing/2014/main" id="{470BD573-266B-4799-AF45-312853E44B65}"/>
+              </a:ext>
+            </a:extLst>
+          </p:cNvPr>
+          <p:cNvSpPr/>
+          <p:nvPr/>
+        </p:nvSpPr>
+        <p:spPr>
+          <a:xfrm>
+            <a:off x="4199833" y="2562810"/>
+            <a:ext cx="622040" cy="2668555"/>
+          </a:xfrm>
+          <a:prstGeom prst="rect">
+            <a:avLst/>
+          </a:prstGeom>
+        </p:spPr>
+        <p:style>
+          <a:lnRef idx="2">
+            <a:schemeClr val="accent1">
+              <a:shade val="50000"/>
+            </a:schemeClr>
+          </a:lnRef>
+          <a:fillRef idx="1">
+            <a:schemeClr val="accent1"/>
+          </a:fillRef>
+          <a:effectRef idx="0">
+            <a:schemeClr val="accent1"/>
+          </a:effectRef>
+          <a:fontRef idx="minor">
+            <a:schemeClr val="lt1"/>
+          </a:fontRef>
+        </p:style>
+        <p:txBody>
+          <a:bodyPr rtlCol="0" anchor="ctr"/>
+          <a:lstStyle/>
+          <a:p>
+            <a:pPr algn="ctr"/>
+            <a:endParaRPr lang="en-US"/>
+          </a:p>
+        </p:txBody>
+      </p:sp>
+      <p:sp>
+        <p:nvSpPr>
+          <p:cNvPr id="21" name="Rectangle 20">
+            <a:extLst>
+              <a:ext uri="{FF2B5EF4-FFF2-40B4-BE49-F238E27FC236}">
+                <a16:creationId xmlns:a16="http://schemas.microsoft.com/office/drawing/2014/main" id="{74893FDF-2B0A-4D29-951C-161E8023206A}"/>
+              </a:ext>
+            </a:extLst>
+          </p:cNvPr>
+          <p:cNvSpPr/>
+          <p:nvPr/>
+        </p:nvSpPr>
+        <p:spPr>
+          <a:xfrm>
+            <a:off x="8921123" y="2562810"/>
+            <a:ext cx="622040" cy="2668555"/>
+          </a:xfrm>
+          <a:prstGeom prst="rect">
+            <a:avLst/>
+          </a:prstGeom>
+        </p:spPr>
+        <p:style>
+          <a:lnRef idx="2">
+            <a:schemeClr val="accent1">
+              <a:shade val="50000"/>
+            </a:schemeClr>
+          </a:lnRef>
+          <a:fillRef idx="1">
+            <a:schemeClr val="accent1"/>
+          </a:fillRef>
+          <a:effectRef idx="0">
+            <a:schemeClr val="accent1"/>
+          </a:effectRef>
+          <a:fontRef idx="minor">
+            <a:schemeClr val="lt1"/>
+          </a:fontRef>
+        </p:style>
+        <p:txBody>
+          <a:bodyPr rtlCol="0" anchor="ctr"/>
+          <a:lstStyle/>
+          <a:p>
+            <a:pPr algn="ctr"/>
+            <a:endParaRPr lang="en-US"/>
+          </a:p>
+        </p:txBody>
+      </p:sp>
+      <p:sp>
+        <p:nvSpPr>
+          <p:cNvPr id="22" name="TextBox 21">
+            <a:extLst>
+              <a:ext uri="{FF2B5EF4-FFF2-40B4-BE49-F238E27FC236}">
+                <a16:creationId xmlns:a16="http://schemas.microsoft.com/office/drawing/2014/main" id="{24F12E9F-3718-4CEB-B81D-80A2EECD0DFD}"/>
+              </a:ext>
+            </a:extLst>
+          </p:cNvPr>
+          <p:cNvSpPr txBox="1"/>
+          <p:nvPr/>
+        </p:nvSpPr>
+        <p:spPr>
+          <a:xfrm>
+            <a:off x="2809709" y="3508312"/>
+            <a:ext cx="1390124" cy="1200329"/>
+          </a:xfrm>
+          <a:prstGeom prst="rect">
+            <a:avLst/>
+          </a:prstGeom>
+          <a:noFill/>
+        </p:spPr>
+        <p:txBody>
+          <a:bodyPr wrap="none" rtlCol="0">
+            <a:spAutoFit/>
+          </a:bodyPr>
+          <a:lstStyle/>
+          <a:p>
+            <a:r>
+              <a:rPr lang="en-US" sz="7200" dirty="0"/>
+              <a:t>m1</a:t>
+            </a:r>
+          </a:p>
+        </p:txBody>
+      </p:sp>
+      <p:sp>
+        <p:nvSpPr>
+          <p:cNvPr id="23" name="TextBox 22">
+            <a:extLst>
+              <a:ext uri="{FF2B5EF4-FFF2-40B4-BE49-F238E27FC236}">
+                <a16:creationId xmlns:a16="http://schemas.microsoft.com/office/drawing/2014/main" id="{85AAD07D-402F-48A7-BEC2-384968DA8A27}"/>
+              </a:ext>
+            </a:extLst>
+          </p:cNvPr>
+          <p:cNvSpPr txBox="1"/>
+          <p:nvPr/>
+        </p:nvSpPr>
+        <p:spPr>
+          <a:xfrm>
+            <a:off x="7530999" y="3508311"/>
+            <a:ext cx="1390124" cy="1200329"/>
+          </a:xfrm>
+          <a:prstGeom prst="rect">
+            <a:avLst/>
+          </a:prstGeom>
+          <a:noFill/>
+        </p:spPr>
+        <p:txBody>
+          <a:bodyPr wrap="none" rtlCol="0">
+            <a:spAutoFit/>
+          </a:bodyPr>
+          <a:lstStyle/>
+          <a:p>
+            <a:r>
+              <a:rPr lang="en-US" sz="7200" dirty="0"/>
+              <a:t>m2</a:t>
+            </a:r>
+          </a:p>
+        </p:txBody>
+      </p:sp>
+      <p:sp>
+        <p:nvSpPr>
+          <p:cNvPr id="24" name="TextBox 23">
+            <a:extLst>
+              <a:ext uri="{FF2B5EF4-FFF2-40B4-BE49-F238E27FC236}">
+                <a16:creationId xmlns:a16="http://schemas.microsoft.com/office/drawing/2014/main" id="{59513DBF-D739-492F-BF88-93866D340988}"/>
+              </a:ext>
+            </a:extLst>
+          </p:cNvPr>
+          <p:cNvSpPr txBox="1"/>
+          <p:nvPr/>
+        </p:nvSpPr>
+        <p:spPr>
+          <a:xfrm>
+            <a:off x="4821873" y="927051"/>
+            <a:ext cx="494046" cy="1200329"/>
+          </a:xfrm>
+          <a:prstGeom prst="rect">
+            <a:avLst/>
+          </a:prstGeom>
+          <a:noFill/>
+        </p:spPr>
+        <p:txBody>
+          <a:bodyPr wrap="none" rtlCol="0">
+            <a:spAutoFit/>
+          </a:bodyPr>
+          <a:lstStyle/>
+          <a:p>
+            <a:r>
+              <a:rPr lang="en-US" sz="7200" dirty="0"/>
+              <a:t>t</a:t>
+            </a:r>
+          </a:p>
+        </p:txBody>
+      </p:sp>
+      <p:sp>
+        <p:nvSpPr>
+          <p:cNvPr id="25" name="Rectangle: Rounded Corners 24">
+            <a:extLst>
+              <a:ext uri="{FF2B5EF4-FFF2-40B4-BE49-F238E27FC236}">
+                <a16:creationId xmlns:a16="http://schemas.microsoft.com/office/drawing/2014/main" id="{CDC137FA-DE11-4756-A6FE-A73366C8E21D}"/>
+              </a:ext>
+            </a:extLst>
+          </p:cNvPr>
+          <p:cNvSpPr/>
+          <p:nvPr/>
+        </p:nvSpPr>
+        <p:spPr>
+          <a:xfrm>
+            <a:off x="3982119" y="5287349"/>
+            <a:ext cx="5834742" cy="342122"/>
+          </a:xfrm>
+          <a:prstGeom prst="roundRect">
+            <a:avLst/>
+          </a:prstGeom>
+          <a:solidFill>
+            <a:schemeClr val="accent2"/>
+          </a:solidFill>
+        </p:spPr>
+        <p:style>
+          <a:lnRef idx="2">
+            <a:schemeClr val="accent1">
+              <a:shade val="50000"/>
+            </a:schemeClr>
+          </a:lnRef>
+          <a:fillRef idx="1">
+            <a:schemeClr val="accent1"/>
+          </a:fillRef>
+          <a:effectRef idx="0">
+            <a:schemeClr val="accent1"/>
+          </a:effectRef>
+          <a:fontRef idx="minor">
+            <a:schemeClr val="lt1"/>
+          </a:fontRef>
+        </p:style>
+        <p:txBody>
+          <a:bodyPr rtlCol="0" anchor="ctr"/>
+          <a:lstStyle/>
+          <a:p>
+            <a:pPr algn="ctr"/>
+            <a:endParaRPr lang="en-US"/>
+          </a:p>
+        </p:txBody>
+      </p:sp>
+      <p:sp>
+        <p:nvSpPr>
+          <p:cNvPr id="26" name="TextBox 25">
+            <a:extLst>
+              <a:ext uri="{FF2B5EF4-FFF2-40B4-BE49-F238E27FC236}">
+                <a16:creationId xmlns:a16="http://schemas.microsoft.com/office/drawing/2014/main" id="{EE8BB874-5F2D-425B-86B1-AE5672D64DB6}"/>
+              </a:ext>
+            </a:extLst>
+          </p:cNvPr>
+          <p:cNvSpPr txBox="1"/>
+          <p:nvPr/>
+        </p:nvSpPr>
+        <p:spPr>
+          <a:xfrm>
+            <a:off x="4759669" y="5458411"/>
+            <a:ext cx="670376" cy="1200329"/>
+          </a:xfrm>
+          <a:prstGeom prst="rect">
+            <a:avLst/>
+          </a:prstGeom>
+          <a:noFill/>
+        </p:spPr>
+        <p:txBody>
+          <a:bodyPr wrap="none" rtlCol="0">
+            <a:spAutoFit/>
+          </a:bodyPr>
+          <a:lstStyle/>
+          <a:p>
+            <a:r>
+              <a:rPr lang="en-US" sz="7200" dirty="0"/>
+              <a:t>b</a:t>
+            </a:r>
+          </a:p>
+        </p:txBody>
+      </p:sp>
+    </p:spTree>
+    <p:extLst>
+      <p:ext uri="{BB962C8B-B14F-4D97-AF65-F5344CB8AC3E}">
+        <p14:creationId xmlns:p14="http://schemas.microsoft.com/office/powerpoint/2010/main" val="583986469"/>
+      </p:ext>
+    </p:extLst>
+  </p:cSld>
+  <p:clrMapOvr>
+    <a:masterClrMapping/>
+  </p:clrMapOvr>
+</p:sld>
+</file>
+
 <file path=ppt/theme/theme1.xml><?xml version="1.0" encoding="utf-8"?>
 <a:theme xmlns:a="http://schemas.openxmlformats.org/drawingml/2006/main" name="Office Theme">
   <a:themeElements>
-    <a:clrScheme name="Office">
+    <a:clrScheme name="Office Theme">
       <a:dk1>
         <a:sysClr val="windowText" lastClr="000000"/>
       </a:dk1>
@@ -4581,7 +5081,7 @@
         <a:srgbClr val="954F72"/>
       </a:folHlink>
     </a:clrScheme>
-    <a:fontScheme name="Office">
+    <a:fontScheme name="Office Theme">
       <a:majorFont>
         <a:latin typeface="Calibri Light" panose="020F0302020204030204"/>
         <a:ea typeface=""/>
@@ -4616,23 +5116,6 @@
         <a:font script="Viet" typeface="Times New Roman"/>
         <a:font script="Uigh" typeface="Microsoft Uighur"/>
         <a:font script="Geor" typeface="Sylfaen"/>
-        <a:font script="Armn" typeface="Arial"/>
-        <a:font script="Bugi" typeface="Leelawadee UI"/>
-        <a:font script="Bopo" typeface="Microsoft JhengHei"/>
-        <a:font script="Java" typeface="Javanese Text"/>
-        <a:font script="Lisu" typeface="Segoe UI"/>
-        <a:font script="Mymr" typeface="Myanmar Text"/>
-        <a:font script="Nkoo" typeface="Ebrima"/>
-        <a:font script="Olck" typeface="Nirmala UI"/>
-        <a:font script="Osma" typeface="Ebrima"/>
-        <a:font script="Phag" typeface="Phagspa"/>
-        <a:font script="Syrn" typeface="Estrangelo Edessa"/>
-        <a:font script="Syrj" typeface="Estrangelo Edessa"/>
-        <a:font script="Syre" typeface="Estrangelo Edessa"/>
-        <a:font script="Sora" typeface="Nirmala UI"/>
-        <a:font script="Tale" typeface="Microsoft Tai Le"/>
-        <a:font script="Talu" typeface="Microsoft New Tai Lue"/>
-        <a:font script="Tfng" typeface="Ebrima"/>
       </a:majorFont>
       <a:minorFont>
         <a:latin typeface="Calibri" panose="020F0502020204030204"/>
@@ -4668,26 +5151,9 @@
         <a:font script="Viet" typeface="Arial"/>
         <a:font script="Uigh" typeface="Microsoft Uighur"/>
         <a:font script="Geor" typeface="Sylfaen"/>
-        <a:font script="Armn" typeface="Arial"/>
-        <a:font script="Bugi" typeface="Leelawadee UI"/>
-        <a:font script="Bopo" typeface="Microsoft JhengHei"/>
-        <a:font script="Java" typeface="Javanese Text"/>
-        <a:font script="Lisu" typeface="Segoe UI"/>
-        <a:font script="Mymr" typeface="Myanmar Text"/>
-        <a:font script="Nkoo" typeface="Ebrima"/>
-        <a:font script="Olck" typeface="Nirmala UI"/>
-        <a:font script="Osma" typeface="Ebrima"/>
-        <a:font script="Phag" typeface="Phagspa"/>
-        <a:font script="Syrn" typeface="Estrangelo Edessa"/>
-        <a:font script="Syrj" typeface="Estrangelo Edessa"/>
-        <a:font script="Syre" typeface="Estrangelo Edessa"/>
-        <a:font script="Sora" typeface="Nirmala UI"/>
-        <a:font script="Tale" typeface="Microsoft Tai Le"/>
-        <a:font script="Talu" typeface="Microsoft New Tai Lue"/>
-        <a:font script="Tfng" typeface="Ebrima"/>
       </a:minorFont>
     </a:fontScheme>
-    <a:fmtScheme name="Office">
+    <a:fmtScheme name="Office Theme">
       <a:fillStyleLst>
         <a:solidFill>
           <a:schemeClr val="phClr"/>
